--- a/datagrams/Ομάδα 15.pptx
+++ b/datagrams/Ομάδα 15.pptx
@@ -7,6 +7,9 @@
   <p:sldIdLst>
     <p:sldId id="256" r:id="rId5"/>
     <p:sldId id="257" r:id="rId6"/>
+    <p:sldId id="259" r:id="rId7"/>
+    <p:sldId id="261" r:id="rId8"/>
+    <p:sldId id="262" r:id="rId9"/>
   </p:sldIdLst>
   <p:sldSz cx="12192000" cy="6858000"/>
   <p:notesSz cx="6858000" cy="9144000"/>
@@ -105,6 +108,11 @@
       </a:defRPr>
     </a:lvl9pPr>
   </p:defaultTextStyle>
+  <p:extLst>
+    <p:ext uri="{EFAFB233-063F-42B5-8137-9DF3F51BA10A}">
+      <p15:sldGuideLst xmlns:p15="http://schemas.microsoft.com/office/powerpoint/2012/main"/>
+    </p:ext>
+  </p:extLst>
 </p:presentation>
 </file>
 
@@ -5684,6 +5692,7 @@
             </a:extLst>
           </p:cNvPr>
           <p:cNvCxnSpPr>
+            <a:cxnSpLocks/>
             <a:stCxn id="90" idx="1"/>
             <a:endCxn id="61" idx="1"/>
           </p:cNvCxnSpPr>
@@ -8811,10 +8820,1382 @@
           </a:fontRef>
         </p:style>
       </p:cxnSp>
+      <p:grpSp>
+        <p:nvGrpSpPr>
+          <p:cNvPr id="42" name="Group 41">
+            <a:extLst>
+              <a:ext uri="{FF2B5EF4-FFF2-40B4-BE49-F238E27FC236}">
+                <a16:creationId xmlns:a16="http://schemas.microsoft.com/office/drawing/2014/main" id="{405ADF5E-A4B2-E16B-1FC2-391BC42C9FC8}"/>
+              </a:ext>
+            </a:extLst>
+          </p:cNvPr>
+          <p:cNvGrpSpPr/>
+          <p:nvPr/>
+        </p:nvGrpSpPr>
+        <p:grpSpPr>
+          <a:xfrm>
+            <a:off x="6834786" y="4945365"/>
+            <a:ext cx="1982757" cy="1093992"/>
+            <a:chOff x="1178318" y="1417398"/>
+            <a:chExt cx="2471737" cy="1555286"/>
+          </a:xfrm>
+        </p:grpSpPr>
+        <p:sp>
+          <p:nvSpPr>
+            <p:cNvPr id="45" name="Rectangle: Rounded Corners 44">
+              <a:extLst>
+                <a:ext uri="{FF2B5EF4-FFF2-40B4-BE49-F238E27FC236}">
+                  <a16:creationId xmlns:a16="http://schemas.microsoft.com/office/drawing/2014/main" id="{B226E6E0-A214-7023-CE53-82C313EFC573}"/>
+                </a:ext>
+              </a:extLst>
+            </p:cNvPr>
+            <p:cNvSpPr/>
+            <p:nvPr/>
+          </p:nvSpPr>
+          <p:spPr>
+            <a:xfrm>
+              <a:off x="1178318" y="1417398"/>
+              <a:ext cx="2471737" cy="529216"/>
+            </a:xfrm>
+            <a:prstGeom prst="roundRect">
+              <a:avLst/>
+            </a:prstGeom>
+            <a:solidFill>
+              <a:schemeClr val="tx2">
+                <a:lumMod val="50000"/>
+                <a:lumOff val="50000"/>
+              </a:schemeClr>
+            </a:solidFill>
+            <a:ln>
+              <a:solidFill>
+                <a:schemeClr val="tx2">
+                  <a:lumMod val="50000"/>
+                  <a:lumOff val="50000"/>
+                </a:schemeClr>
+              </a:solidFill>
+            </a:ln>
+          </p:spPr>
+          <p:style>
+            <a:lnRef idx="2">
+              <a:schemeClr val="accent1">
+                <a:shade val="15000"/>
+              </a:schemeClr>
+            </a:lnRef>
+            <a:fillRef idx="1">
+              <a:schemeClr val="accent1"/>
+            </a:fillRef>
+            <a:effectRef idx="0">
+              <a:schemeClr val="accent1"/>
+            </a:effectRef>
+            <a:fontRef idx="minor">
+              <a:schemeClr val="lt1"/>
+            </a:fontRef>
+          </p:style>
+          <p:txBody>
+            <a:bodyPr rtlCol="0" anchor="ctr"/>
+            <a:lstStyle/>
+            <a:p>
+              <a:pPr algn="ctr"/>
+              <a:r>
+                <a:rPr lang="el-GR" sz="1600" dirty="0">
+                  <a:latin typeface="Amasis MT Pro" panose="020F0502020204030204" pitchFamily="18" charset="0"/>
+                </a:rPr>
+                <a:t>Μάτς</a:t>
+              </a:r>
+              <a:endParaRPr lang="en-US" sz="1600" dirty="0">
+                <a:latin typeface="Amasis MT Pro" panose="020F0502020204030204" pitchFamily="18" charset="0"/>
+              </a:endParaRPr>
+            </a:p>
+          </p:txBody>
+        </p:sp>
+        <p:grpSp>
+          <p:nvGrpSpPr>
+            <p:cNvPr id="53" name="Group 52">
+              <a:extLst>
+                <a:ext uri="{FF2B5EF4-FFF2-40B4-BE49-F238E27FC236}">
+                  <a16:creationId xmlns:a16="http://schemas.microsoft.com/office/drawing/2014/main" id="{EAD69FDD-AF3A-319B-D6DA-573B4327AB99}"/>
+                </a:ext>
+              </a:extLst>
+            </p:cNvPr>
+            <p:cNvGrpSpPr/>
+            <p:nvPr/>
+          </p:nvGrpSpPr>
+          <p:grpSpPr>
+            <a:xfrm>
+              <a:off x="1222049" y="1946615"/>
+              <a:ext cx="2384276" cy="395625"/>
+              <a:chOff x="1222049" y="1946615"/>
+              <a:chExt cx="2384276" cy="395625"/>
+            </a:xfrm>
+          </p:grpSpPr>
+          <p:sp>
+            <p:nvSpPr>
+              <p:cNvPr id="130" name="Rectangle 129">
+                <a:extLst>
+                  <a:ext uri="{FF2B5EF4-FFF2-40B4-BE49-F238E27FC236}">
+                    <a16:creationId xmlns:a16="http://schemas.microsoft.com/office/drawing/2014/main" id="{5424665E-DC68-403F-3C74-2CB856B10B9A}"/>
+                  </a:ext>
+                </a:extLst>
+              </p:cNvPr>
+              <p:cNvSpPr/>
+              <p:nvPr/>
+            </p:nvSpPr>
+            <p:spPr>
+              <a:xfrm>
+                <a:off x="1222049" y="1948441"/>
+                <a:ext cx="2384276" cy="316195"/>
+              </a:xfrm>
+              <a:prstGeom prst="rect">
+                <a:avLst/>
+              </a:prstGeom>
+              <a:noFill/>
+              <a:ln>
+                <a:solidFill>
+                  <a:schemeClr val="tx2">
+                    <a:lumMod val="50000"/>
+                    <a:lumOff val="50000"/>
+                  </a:schemeClr>
+                </a:solidFill>
+              </a:ln>
+            </p:spPr>
+            <p:style>
+              <a:lnRef idx="2">
+                <a:schemeClr val="accent1">
+                  <a:shade val="15000"/>
+                </a:schemeClr>
+              </a:lnRef>
+              <a:fillRef idx="1">
+                <a:schemeClr val="accent1"/>
+              </a:fillRef>
+              <a:effectRef idx="0">
+                <a:schemeClr val="accent1"/>
+              </a:effectRef>
+              <a:fontRef idx="minor">
+                <a:schemeClr val="lt1"/>
+              </a:fontRef>
+            </p:style>
+            <p:txBody>
+              <a:bodyPr rtlCol="0" anchor="ctr"/>
+              <a:lstStyle/>
+              <a:p>
+                <a:pPr algn="ctr"/>
+                <a:endParaRPr lang="en-US" sz="1600" dirty="0">
+                  <a:solidFill>
+                    <a:schemeClr val="tx1"/>
+                  </a:solidFill>
+                  <a:latin typeface="Amasis MT Pro" panose="020F0502020204030204" pitchFamily="18" charset="0"/>
+                </a:endParaRPr>
+              </a:p>
+            </p:txBody>
+          </p:sp>
+          <p:grpSp>
+            <p:nvGrpSpPr>
+              <p:cNvPr id="133" name="Group 132">
+                <a:extLst>
+                  <a:ext uri="{FF2B5EF4-FFF2-40B4-BE49-F238E27FC236}">
+                    <a16:creationId xmlns:a16="http://schemas.microsoft.com/office/drawing/2014/main" id="{E26ED83F-2663-E312-40B9-4539EDF67CAE}"/>
+                  </a:ext>
+                </a:extLst>
+              </p:cNvPr>
+              <p:cNvGrpSpPr/>
+              <p:nvPr/>
+            </p:nvGrpSpPr>
+            <p:grpSpPr>
+              <a:xfrm>
+                <a:off x="1222049" y="1946615"/>
+                <a:ext cx="2384276" cy="395625"/>
+                <a:chOff x="1105790" y="1874383"/>
+                <a:chExt cx="2541429" cy="491523"/>
+              </a:xfrm>
+            </p:grpSpPr>
+            <p:sp>
+              <p:nvSpPr>
+                <p:cNvPr id="134" name="TextBox 133">
+                  <a:extLst>
+                    <a:ext uri="{FF2B5EF4-FFF2-40B4-BE49-F238E27FC236}">
+                      <a16:creationId xmlns:a16="http://schemas.microsoft.com/office/drawing/2014/main" id="{EA372726-5CDC-985E-2ADE-CB6746182670}"/>
+                    </a:ext>
+                  </a:extLst>
+                </p:cNvPr>
+                <p:cNvSpPr txBox="1"/>
+                <p:nvPr/>
+              </p:nvSpPr>
+              <p:spPr>
+                <a:xfrm>
+                  <a:off x="1105790" y="1874383"/>
+                  <a:ext cx="1312670" cy="489253"/>
+                </a:xfrm>
+                <a:prstGeom prst="rect">
+                  <a:avLst/>
+                </a:prstGeom>
+                <a:noFill/>
+              </p:spPr>
+              <p:txBody>
+                <a:bodyPr wrap="square" rtlCol="0">
+                  <a:spAutoFit/>
+                </a:bodyPr>
+                <a:lstStyle/>
+                <a:p>
+                  <a:r>
+                    <a:rPr lang="en-US" sz="1200" dirty="0" err="1">
+                      <a:latin typeface="Amasis MT Pro" panose="020F0502020204030204" pitchFamily="18" charset="0"/>
+                    </a:rPr>
+                    <a:t>home_id</a:t>
+                  </a:r>
+                  <a:endParaRPr lang="en-US" sz="1200" dirty="0">
+                    <a:latin typeface="Amasis MT Pro" panose="020F0502020204030204" pitchFamily="18" charset="0"/>
+                  </a:endParaRPr>
+                </a:p>
+              </p:txBody>
+            </p:sp>
+            <p:sp>
+              <p:nvSpPr>
+                <p:cNvPr id="139" name="TextBox 138">
+                  <a:extLst>
+                    <a:ext uri="{FF2B5EF4-FFF2-40B4-BE49-F238E27FC236}">
+                      <a16:creationId xmlns:a16="http://schemas.microsoft.com/office/drawing/2014/main" id="{C860FDFE-BF51-6B01-BAB2-F5F30AFA1D3C}"/>
+                    </a:ext>
+                  </a:extLst>
+                </p:cNvPr>
+                <p:cNvSpPr txBox="1"/>
+                <p:nvPr/>
+              </p:nvSpPr>
+              <p:spPr>
+                <a:xfrm>
+                  <a:off x="2405641" y="1876653"/>
+                  <a:ext cx="1241578" cy="489253"/>
+                </a:xfrm>
+                <a:prstGeom prst="rect">
+                  <a:avLst/>
+                </a:prstGeom>
+                <a:noFill/>
+              </p:spPr>
+              <p:txBody>
+                <a:bodyPr wrap="square" rtlCol="0">
+                  <a:spAutoFit/>
+                </a:bodyPr>
+                <a:lstStyle/>
+                <a:p>
+                  <a:pPr algn="r"/>
+                  <a:r>
+                    <a:rPr lang="en-US" sz="1200" dirty="0">
+                      <a:solidFill>
+                        <a:srgbClr val="00B050"/>
+                      </a:solidFill>
+                      <a:latin typeface="Amasis MT Pro" panose="020F0502020204030204" pitchFamily="18" charset="0"/>
+                    </a:rPr>
+                    <a:t>int</a:t>
+                  </a:r>
+                </a:p>
+              </p:txBody>
+            </p:sp>
+          </p:grpSp>
+        </p:grpSp>
+        <p:grpSp>
+          <p:nvGrpSpPr>
+            <p:cNvPr id="54" name="Group 53">
+              <a:extLst>
+                <a:ext uri="{FF2B5EF4-FFF2-40B4-BE49-F238E27FC236}">
+                  <a16:creationId xmlns:a16="http://schemas.microsoft.com/office/drawing/2014/main" id="{149FCCD6-AAC8-AD31-76DF-76AF38F02E61}"/>
+                </a:ext>
+              </a:extLst>
+            </p:cNvPr>
+            <p:cNvGrpSpPr/>
+            <p:nvPr/>
+          </p:nvGrpSpPr>
+          <p:grpSpPr>
+            <a:xfrm>
+              <a:off x="1222049" y="2266168"/>
+              <a:ext cx="2384276" cy="395626"/>
+              <a:chOff x="1222049" y="1946615"/>
+              <a:chExt cx="2384276" cy="395626"/>
+            </a:xfrm>
+          </p:grpSpPr>
+          <p:sp>
+            <p:nvSpPr>
+              <p:cNvPr id="64" name="Rectangle 63">
+                <a:extLst>
+                  <a:ext uri="{FF2B5EF4-FFF2-40B4-BE49-F238E27FC236}">
+                    <a16:creationId xmlns:a16="http://schemas.microsoft.com/office/drawing/2014/main" id="{1ABE0380-2C1F-3B41-E604-2002E0385F83}"/>
+                  </a:ext>
+                </a:extLst>
+              </p:cNvPr>
+              <p:cNvSpPr/>
+              <p:nvPr/>
+            </p:nvSpPr>
+            <p:spPr>
+              <a:xfrm>
+                <a:off x="1222049" y="1948441"/>
+                <a:ext cx="2384276" cy="316195"/>
+              </a:xfrm>
+              <a:prstGeom prst="rect">
+                <a:avLst/>
+              </a:prstGeom>
+              <a:noFill/>
+              <a:ln>
+                <a:solidFill>
+                  <a:schemeClr val="tx2">
+                    <a:lumMod val="50000"/>
+                    <a:lumOff val="50000"/>
+                  </a:schemeClr>
+                </a:solidFill>
+              </a:ln>
+            </p:spPr>
+            <p:style>
+              <a:lnRef idx="2">
+                <a:schemeClr val="accent1">
+                  <a:shade val="15000"/>
+                </a:schemeClr>
+              </a:lnRef>
+              <a:fillRef idx="1">
+                <a:schemeClr val="accent1"/>
+              </a:fillRef>
+              <a:effectRef idx="0">
+                <a:schemeClr val="accent1"/>
+              </a:effectRef>
+              <a:fontRef idx="minor">
+                <a:schemeClr val="lt1"/>
+              </a:fontRef>
+            </p:style>
+            <p:txBody>
+              <a:bodyPr rtlCol="0" anchor="ctr"/>
+              <a:lstStyle/>
+              <a:p>
+                <a:pPr algn="ctr"/>
+                <a:endParaRPr lang="en-US" sz="1600" dirty="0">
+                  <a:solidFill>
+                    <a:schemeClr val="tx1"/>
+                  </a:solidFill>
+                  <a:latin typeface="Amasis MT Pro" panose="020F0502020204030204" pitchFamily="18" charset="0"/>
+                </a:endParaRPr>
+              </a:p>
+            </p:txBody>
+          </p:sp>
+          <p:grpSp>
+            <p:nvGrpSpPr>
+              <p:cNvPr id="69" name="Group 68">
+                <a:extLst>
+                  <a:ext uri="{FF2B5EF4-FFF2-40B4-BE49-F238E27FC236}">
+                    <a16:creationId xmlns:a16="http://schemas.microsoft.com/office/drawing/2014/main" id="{45750A76-7D29-8A67-C5CA-DC1C30675C8E}"/>
+                  </a:ext>
+                </a:extLst>
+              </p:cNvPr>
+              <p:cNvGrpSpPr/>
+              <p:nvPr/>
+            </p:nvGrpSpPr>
+            <p:grpSpPr>
+              <a:xfrm>
+                <a:off x="1222049" y="1946615"/>
+                <a:ext cx="2384276" cy="395626"/>
+                <a:chOff x="1105790" y="1874384"/>
+                <a:chExt cx="2541429" cy="491524"/>
+              </a:xfrm>
+            </p:grpSpPr>
+            <p:sp>
+              <p:nvSpPr>
+                <p:cNvPr id="94" name="TextBox 93">
+                  <a:extLst>
+                    <a:ext uri="{FF2B5EF4-FFF2-40B4-BE49-F238E27FC236}">
+                      <a16:creationId xmlns:a16="http://schemas.microsoft.com/office/drawing/2014/main" id="{36E0AF85-F9C8-32F0-C152-B8A897BE2151}"/>
+                    </a:ext>
+                  </a:extLst>
+                </p:cNvPr>
+                <p:cNvSpPr txBox="1"/>
+                <p:nvPr/>
+              </p:nvSpPr>
+              <p:spPr>
+                <a:xfrm>
+                  <a:off x="1105790" y="1874384"/>
+                  <a:ext cx="1312670" cy="489253"/>
+                </a:xfrm>
+                <a:prstGeom prst="rect">
+                  <a:avLst/>
+                </a:prstGeom>
+                <a:noFill/>
+              </p:spPr>
+              <p:txBody>
+                <a:bodyPr wrap="square" rtlCol="0">
+                  <a:spAutoFit/>
+                </a:bodyPr>
+                <a:lstStyle/>
+                <a:p>
+                  <a:r>
+                    <a:rPr lang="en-US" sz="1200" dirty="0" err="1">
+                      <a:latin typeface="Amasis MT Pro" panose="020F0502020204030204" pitchFamily="18" charset="0"/>
+                    </a:rPr>
+                    <a:t>away_id</a:t>
+                  </a:r>
+                  <a:endParaRPr lang="en-US" sz="1200" dirty="0">
+                    <a:latin typeface="Amasis MT Pro" panose="020F0502020204030204" pitchFamily="18" charset="0"/>
+                  </a:endParaRPr>
+                </a:p>
+              </p:txBody>
+            </p:sp>
+            <p:sp>
+              <p:nvSpPr>
+                <p:cNvPr id="95" name="TextBox 94">
+                  <a:extLst>
+                    <a:ext uri="{FF2B5EF4-FFF2-40B4-BE49-F238E27FC236}">
+                      <a16:creationId xmlns:a16="http://schemas.microsoft.com/office/drawing/2014/main" id="{76F2CDED-5727-6635-6C48-02FE5CF7E997}"/>
+                    </a:ext>
+                  </a:extLst>
+                </p:cNvPr>
+                <p:cNvSpPr txBox="1"/>
+                <p:nvPr/>
+              </p:nvSpPr>
+              <p:spPr>
+                <a:xfrm>
+                  <a:off x="2405641" y="1876655"/>
+                  <a:ext cx="1241578" cy="489253"/>
+                </a:xfrm>
+                <a:prstGeom prst="rect">
+                  <a:avLst/>
+                </a:prstGeom>
+                <a:noFill/>
+              </p:spPr>
+              <p:txBody>
+                <a:bodyPr wrap="square" rtlCol="0">
+                  <a:spAutoFit/>
+                </a:bodyPr>
+                <a:lstStyle/>
+                <a:p>
+                  <a:pPr algn="r"/>
+                  <a:r>
+                    <a:rPr lang="en-US" sz="1200" dirty="0">
+                      <a:solidFill>
+                        <a:srgbClr val="00B050"/>
+                      </a:solidFill>
+                      <a:latin typeface="Amasis MT Pro" panose="020F0502020204030204" pitchFamily="18" charset="0"/>
+                    </a:rPr>
+                    <a:t>int</a:t>
+                  </a:r>
+                  <a:endParaRPr lang="en-US" sz="1200" dirty="0">
+                    <a:solidFill>
+                      <a:srgbClr val="FFC000"/>
+                    </a:solidFill>
+                    <a:latin typeface="Amasis MT Pro" panose="020F0502020204030204" pitchFamily="18" charset="0"/>
+                  </a:endParaRPr>
+                </a:p>
+              </p:txBody>
+            </p:sp>
+          </p:grpSp>
+        </p:grpSp>
+        <p:grpSp>
+          <p:nvGrpSpPr>
+            <p:cNvPr id="55" name="Group 54">
+              <a:extLst>
+                <a:ext uri="{FF2B5EF4-FFF2-40B4-BE49-F238E27FC236}">
+                  <a16:creationId xmlns:a16="http://schemas.microsoft.com/office/drawing/2014/main" id="{9AE0A3B7-398A-7C01-3D5F-6378EC49474C}"/>
+                </a:ext>
+              </a:extLst>
+            </p:cNvPr>
+            <p:cNvGrpSpPr/>
+            <p:nvPr/>
+          </p:nvGrpSpPr>
+          <p:grpSpPr>
+            <a:xfrm>
+              <a:off x="1222049" y="2577059"/>
+              <a:ext cx="2384276" cy="395625"/>
+              <a:chOff x="1222049" y="1946615"/>
+              <a:chExt cx="2384276" cy="395625"/>
+            </a:xfrm>
+          </p:grpSpPr>
+          <p:sp>
+            <p:nvSpPr>
+              <p:cNvPr id="56" name="Rectangle 55">
+                <a:extLst>
+                  <a:ext uri="{FF2B5EF4-FFF2-40B4-BE49-F238E27FC236}">
+                    <a16:creationId xmlns:a16="http://schemas.microsoft.com/office/drawing/2014/main" id="{E4C97FD6-F3FB-ED37-C428-FCD249451573}"/>
+                  </a:ext>
+                </a:extLst>
+              </p:cNvPr>
+              <p:cNvSpPr/>
+              <p:nvPr/>
+            </p:nvSpPr>
+            <p:spPr>
+              <a:xfrm>
+                <a:off x="1222049" y="1948441"/>
+                <a:ext cx="2384276" cy="316195"/>
+              </a:xfrm>
+              <a:prstGeom prst="rect">
+                <a:avLst/>
+              </a:prstGeom>
+              <a:noFill/>
+              <a:ln>
+                <a:solidFill>
+                  <a:schemeClr val="tx2">
+                    <a:lumMod val="50000"/>
+                    <a:lumOff val="50000"/>
+                  </a:schemeClr>
+                </a:solidFill>
+              </a:ln>
+            </p:spPr>
+            <p:style>
+              <a:lnRef idx="2">
+                <a:schemeClr val="accent1">
+                  <a:shade val="15000"/>
+                </a:schemeClr>
+              </a:lnRef>
+              <a:fillRef idx="1">
+                <a:schemeClr val="accent1"/>
+              </a:fillRef>
+              <a:effectRef idx="0">
+                <a:schemeClr val="accent1"/>
+              </a:effectRef>
+              <a:fontRef idx="minor">
+                <a:schemeClr val="lt1"/>
+              </a:fontRef>
+            </p:style>
+            <p:txBody>
+              <a:bodyPr rtlCol="0" anchor="ctr"/>
+              <a:lstStyle/>
+              <a:p>
+                <a:pPr algn="ctr"/>
+                <a:endParaRPr lang="en-US" sz="1600" dirty="0">
+                  <a:solidFill>
+                    <a:schemeClr val="tx1"/>
+                  </a:solidFill>
+                  <a:latin typeface="Amasis MT Pro" panose="020F0502020204030204" pitchFamily="18" charset="0"/>
+                </a:endParaRPr>
+              </a:p>
+            </p:txBody>
+          </p:sp>
+          <p:grpSp>
+            <p:nvGrpSpPr>
+              <p:cNvPr id="57" name="Group 56">
+                <a:extLst>
+                  <a:ext uri="{FF2B5EF4-FFF2-40B4-BE49-F238E27FC236}">
+                    <a16:creationId xmlns:a16="http://schemas.microsoft.com/office/drawing/2014/main" id="{2AFA9550-0F4B-D2B9-7C0E-DDBB93FA9A4A}"/>
+                  </a:ext>
+                </a:extLst>
+              </p:cNvPr>
+              <p:cNvGrpSpPr/>
+              <p:nvPr/>
+            </p:nvGrpSpPr>
+            <p:grpSpPr>
+              <a:xfrm>
+                <a:off x="1222049" y="1946615"/>
+                <a:ext cx="2384276" cy="395625"/>
+                <a:chOff x="1105790" y="1874383"/>
+                <a:chExt cx="2541429" cy="491523"/>
+              </a:xfrm>
+            </p:grpSpPr>
+            <p:sp>
+              <p:nvSpPr>
+                <p:cNvPr id="60" name="TextBox 59">
+                  <a:extLst>
+                    <a:ext uri="{FF2B5EF4-FFF2-40B4-BE49-F238E27FC236}">
+                      <a16:creationId xmlns:a16="http://schemas.microsoft.com/office/drawing/2014/main" id="{57AA0646-A026-9AEA-DCC7-16414057E444}"/>
+                    </a:ext>
+                  </a:extLst>
+                </p:cNvPr>
+                <p:cNvSpPr txBox="1"/>
+                <p:nvPr/>
+              </p:nvSpPr>
+              <p:spPr>
+                <a:xfrm>
+                  <a:off x="1105790" y="1874383"/>
+                  <a:ext cx="1312670" cy="489253"/>
+                </a:xfrm>
+                <a:prstGeom prst="rect">
+                  <a:avLst/>
+                </a:prstGeom>
+                <a:noFill/>
+              </p:spPr>
+              <p:txBody>
+                <a:bodyPr wrap="square" rtlCol="0">
+                  <a:spAutoFit/>
+                </a:bodyPr>
+                <a:lstStyle/>
+                <a:p>
+                  <a:r>
+                    <a:rPr lang="en-US" sz="1200" dirty="0">
+                      <a:latin typeface="Amasis MT Pro" panose="020F0502020204030204" pitchFamily="18" charset="0"/>
+                    </a:rPr>
+                    <a:t>date</a:t>
+                  </a:r>
+                </a:p>
+              </p:txBody>
+            </p:sp>
+            <p:sp>
+              <p:nvSpPr>
+                <p:cNvPr id="63" name="TextBox 62">
+                  <a:extLst>
+                    <a:ext uri="{FF2B5EF4-FFF2-40B4-BE49-F238E27FC236}">
+                      <a16:creationId xmlns:a16="http://schemas.microsoft.com/office/drawing/2014/main" id="{C338E210-312E-85C2-B7F6-0B8CF37D5FCE}"/>
+                    </a:ext>
+                  </a:extLst>
+                </p:cNvPr>
+                <p:cNvSpPr txBox="1"/>
+                <p:nvPr/>
+              </p:nvSpPr>
+              <p:spPr>
+                <a:xfrm>
+                  <a:off x="2405641" y="1876653"/>
+                  <a:ext cx="1241578" cy="489253"/>
+                </a:xfrm>
+                <a:prstGeom prst="rect">
+                  <a:avLst/>
+                </a:prstGeom>
+                <a:noFill/>
+              </p:spPr>
+              <p:txBody>
+                <a:bodyPr wrap="square" rtlCol="0">
+                  <a:spAutoFit/>
+                </a:bodyPr>
+                <a:lstStyle/>
+                <a:p>
+                  <a:pPr algn="r"/>
+                  <a:r>
+                    <a:rPr lang="en-US" sz="1200" dirty="0">
+                      <a:solidFill>
+                        <a:schemeClr val="accent5">
+                          <a:lumMod val="60000"/>
+                          <a:lumOff val="40000"/>
+                        </a:schemeClr>
+                      </a:solidFill>
+                      <a:latin typeface="Amasis MT Pro" panose="020F0502020204030204" pitchFamily="18" charset="0"/>
+                    </a:rPr>
+                    <a:t>date</a:t>
+                  </a:r>
+                </a:p>
+              </p:txBody>
+            </p:sp>
+          </p:grpSp>
+        </p:grpSp>
+      </p:grpSp>
+      <p:cxnSp>
+        <p:nvCxnSpPr>
+          <p:cNvPr id="143" name="Connector: Elbow 142">
+            <a:extLst>
+              <a:ext uri="{FF2B5EF4-FFF2-40B4-BE49-F238E27FC236}">
+                <a16:creationId xmlns:a16="http://schemas.microsoft.com/office/drawing/2014/main" id="{48D52FA3-77C7-9CAA-0A41-55A75DEC1B17}"/>
+              </a:ext>
+            </a:extLst>
+          </p:cNvPr>
+          <p:cNvCxnSpPr>
+            <a:cxnSpLocks/>
+            <a:stCxn id="91" idx="3"/>
+            <a:endCxn id="134" idx="1"/>
+          </p:cNvCxnSpPr>
+          <p:nvPr/>
+        </p:nvCxnSpPr>
+        <p:spPr>
+          <a:xfrm>
+            <a:off x="5997267" y="2992561"/>
+            <a:ext cx="872599" cy="2463557"/>
+          </a:xfrm>
+          <a:prstGeom prst="bentConnector3">
+            <a:avLst/>
+          </a:prstGeom>
+          <a:ln>
+            <a:tailEnd type="triangle"/>
+          </a:ln>
+        </p:spPr>
+        <p:style>
+          <a:lnRef idx="2">
+            <a:schemeClr val="accent1"/>
+          </a:lnRef>
+          <a:fillRef idx="0">
+            <a:schemeClr val="accent1"/>
+          </a:fillRef>
+          <a:effectRef idx="1">
+            <a:schemeClr val="accent1"/>
+          </a:effectRef>
+          <a:fontRef idx="minor">
+            <a:schemeClr val="tx1"/>
+          </a:fontRef>
+        </p:style>
+      </p:cxnSp>
+      <p:cxnSp>
+        <p:nvCxnSpPr>
+          <p:cNvPr id="150" name="Connector: Elbow 149">
+            <a:extLst>
+              <a:ext uri="{FF2B5EF4-FFF2-40B4-BE49-F238E27FC236}">
+                <a16:creationId xmlns:a16="http://schemas.microsoft.com/office/drawing/2014/main" id="{23424FE7-AE46-94A0-23CB-FA0A5EA94B0A}"/>
+              </a:ext>
+            </a:extLst>
+          </p:cNvPr>
+          <p:cNvCxnSpPr>
+            <a:endCxn id="94" idx="1"/>
+          </p:cNvCxnSpPr>
+          <p:nvPr/>
+        </p:nvCxnSpPr>
+        <p:spPr>
+          <a:xfrm>
+            <a:off x="6443529" y="5438724"/>
+            <a:ext cx="426337" cy="242167"/>
+          </a:xfrm>
+          <a:prstGeom prst="bentConnector3">
+            <a:avLst>
+              <a:gd name="adj1" fmla="val -2116"/>
+            </a:avLst>
+          </a:prstGeom>
+          <a:ln>
+            <a:tailEnd type="triangle"/>
+          </a:ln>
+        </p:spPr>
+        <p:style>
+          <a:lnRef idx="2">
+            <a:schemeClr val="accent1"/>
+          </a:lnRef>
+          <a:fillRef idx="0">
+            <a:schemeClr val="accent1"/>
+          </a:fillRef>
+          <a:effectRef idx="1">
+            <a:schemeClr val="accent1"/>
+          </a:effectRef>
+          <a:fontRef idx="minor">
+            <a:schemeClr val="tx1"/>
+          </a:fontRef>
+        </p:style>
+      </p:cxnSp>
     </p:spTree>
     <p:extLst>
       <p:ext uri="{BB962C8B-B14F-4D97-AF65-F5344CB8AC3E}">
         <p14:creationId xmlns:p14="http://schemas.microsoft.com/office/powerpoint/2010/main" val="2357415332"/>
+      </p:ext>
+    </p:extLst>
+  </p:cSld>
+  <p:clrMapOvr>
+    <a:masterClrMapping/>
+  </p:clrMapOvr>
+</p:sld>
+</file>
+
+<file path=ppt/slides/slide3.xml><?xml version="1.0" encoding="utf-8"?>
+<p:sld xmlns:a="http://schemas.openxmlformats.org/drawingml/2006/main" xmlns:r="http://schemas.openxmlformats.org/officeDocument/2006/relationships" xmlns:p="http://schemas.openxmlformats.org/presentationml/2006/main">
+  <p:cSld>
+    <p:spTree>
+      <p:nvGrpSpPr>
+        <p:cNvPr id="1" name=""/>
+        <p:cNvGrpSpPr/>
+        <p:nvPr/>
+      </p:nvGrpSpPr>
+      <p:grpSpPr>
+        <a:xfrm>
+          <a:off x="0" y="0"/>
+          <a:ext cx="0" cy="0"/>
+          <a:chOff x="0" y="0"/>
+          <a:chExt cx="0" cy="0"/>
+        </a:xfrm>
+      </p:grpSpPr>
+      <p:sp>
+        <p:nvSpPr>
+          <p:cNvPr id="2" name="Title 1">
+            <a:extLst>
+              <a:ext uri="{FF2B5EF4-FFF2-40B4-BE49-F238E27FC236}">
+                <a16:creationId xmlns:a16="http://schemas.microsoft.com/office/drawing/2014/main" id="{5410BF5C-B124-BD5B-23B6-A4DD26519404}"/>
+              </a:ext>
+            </a:extLst>
+          </p:cNvPr>
+          <p:cNvSpPr>
+            <a:spLocks noGrp="1"/>
+          </p:cNvSpPr>
+          <p:nvPr>
+            <p:ph type="title"/>
+          </p:nvPr>
+        </p:nvSpPr>
+        <p:spPr>
+          <a:xfrm>
+            <a:off x="6956278" y="867880"/>
+            <a:ext cx="4329156" cy="235239"/>
+          </a:xfrm>
+        </p:spPr>
+        <p:txBody>
+          <a:bodyPr>
+            <a:noAutofit/>
+          </a:bodyPr>
+          <a:lstStyle/>
+          <a:p>
+            <a:pPr algn="ctr"/>
+            <a:r>
+              <a:rPr lang="en-US" sz="2000" dirty="0"/>
+              <a:t>Application Logo</a:t>
+            </a:r>
+          </a:p>
+        </p:txBody>
+      </p:sp>
+      <p:pic>
+        <p:nvPicPr>
+          <p:cNvPr id="4" name="Picture 3" descr="A cartoon of a skull with horns&#10;&#10;Description automatically generated">
+            <a:extLst>
+              <a:ext uri="{FF2B5EF4-FFF2-40B4-BE49-F238E27FC236}">
+                <a16:creationId xmlns:a16="http://schemas.microsoft.com/office/drawing/2014/main" id="{679A8DD6-14A9-ABE0-8793-E3EF881D536E}"/>
+              </a:ext>
+            </a:extLst>
+          </p:cNvPr>
+          <p:cNvPicPr>
+            <a:picLocks noChangeAspect="1"/>
+          </p:cNvPicPr>
+          <p:nvPr/>
+        </p:nvPicPr>
+        <p:blipFill>
+          <a:blip r:embed="rId2">
+            <a:extLst>
+              <a:ext uri="{28A0092B-C50C-407E-A947-70E740481C1C}">
+                <a14:useLocalDpi xmlns:a14="http://schemas.microsoft.com/office/drawing/2010/main" val="0"/>
+              </a:ext>
+            </a:extLst>
+          </a:blip>
+          <a:stretch>
+            <a:fillRect/>
+          </a:stretch>
+        </p:blipFill>
+        <p:spPr>
+          <a:xfrm>
+            <a:off x="8725257" y="1103119"/>
+            <a:ext cx="2039240" cy="2039240"/>
+          </a:xfrm>
+          <a:prstGeom prst="rect">
+            <a:avLst/>
+          </a:prstGeom>
+        </p:spPr>
+      </p:pic>
+      <p:pic>
+        <p:nvPicPr>
+          <p:cNvPr id="8" name="Picture 7" descr="A cartoon of a person&#10;&#10;Description automatically generated">
+            <a:extLst>
+              <a:ext uri="{FF2B5EF4-FFF2-40B4-BE49-F238E27FC236}">
+                <a16:creationId xmlns:a16="http://schemas.microsoft.com/office/drawing/2014/main" id="{FCB0BC84-486F-612D-B627-05FE9ECF34F2}"/>
+              </a:ext>
+            </a:extLst>
+          </p:cNvPr>
+          <p:cNvPicPr>
+            <a:picLocks noChangeAspect="1"/>
+          </p:cNvPicPr>
+          <p:nvPr/>
+        </p:nvPicPr>
+        <p:blipFill>
+          <a:blip r:embed="rId3">
+            <a:extLst>
+              <a:ext uri="{28A0092B-C50C-407E-A947-70E740481C1C}">
+                <a14:useLocalDpi xmlns:a14="http://schemas.microsoft.com/office/drawing/2010/main" val="0"/>
+              </a:ext>
+            </a:extLst>
+          </a:blip>
+          <a:stretch>
+            <a:fillRect/>
+          </a:stretch>
+        </p:blipFill>
+        <p:spPr>
+          <a:xfrm>
+            <a:off x="7024644" y="1272433"/>
+            <a:ext cx="1700613" cy="1700613"/>
+          </a:xfrm>
+          <a:prstGeom prst="rect">
+            <a:avLst/>
+          </a:prstGeom>
+        </p:spPr>
+      </p:pic>
+      <p:sp>
+        <p:nvSpPr>
+          <p:cNvPr id="25" name="TextBox 24">
+            <a:extLst>
+              <a:ext uri="{FF2B5EF4-FFF2-40B4-BE49-F238E27FC236}">
+                <a16:creationId xmlns:a16="http://schemas.microsoft.com/office/drawing/2014/main" id="{9563777C-50DF-0242-6C13-00636780F3E2}"/>
+              </a:ext>
+            </a:extLst>
+          </p:cNvPr>
+          <p:cNvSpPr txBox="1"/>
+          <p:nvPr/>
+        </p:nvSpPr>
+        <p:spPr>
+          <a:xfrm>
+            <a:off x="0" y="0"/>
+            <a:ext cx="12192000" cy="369332"/>
+          </a:xfrm>
+          <a:prstGeom prst="rect">
+            <a:avLst/>
+          </a:prstGeom>
+          <a:noFill/>
+        </p:spPr>
+        <p:txBody>
+          <a:bodyPr wrap="square" rtlCol="0">
+            <a:spAutoFit/>
+          </a:bodyPr>
+          <a:lstStyle/>
+          <a:p>
+            <a:pPr algn="ctr"/>
+            <a:r>
+              <a:rPr lang="en-US" dirty="0"/>
+              <a:t>Project Core Elements</a:t>
+            </a:r>
+          </a:p>
+        </p:txBody>
+      </p:sp>
+      <p:sp>
+        <p:nvSpPr>
+          <p:cNvPr id="26" name="TextBox 25">
+            <a:extLst>
+              <a:ext uri="{FF2B5EF4-FFF2-40B4-BE49-F238E27FC236}">
+                <a16:creationId xmlns:a16="http://schemas.microsoft.com/office/drawing/2014/main" id="{2BC93C69-DD1E-E448-2F91-721D36FA4223}"/>
+              </a:ext>
+            </a:extLst>
+          </p:cNvPr>
+          <p:cNvSpPr txBox="1"/>
+          <p:nvPr/>
+        </p:nvSpPr>
+        <p:spPr>
+          <a:xfrm>
+            <a:off x="470019" y="1034041"/>
+            <a:ext cx="4447019" cy="646331"/>
+          </a:xfrm>
+          <a:prstGeom prst="rect">
+            <a:avLst/>
+          </a:prstGeom>
+          <a:noFill/>
+        </p:spPr>
+        <p:txBody>
+          <a:bodyPr wrap="square" rtlCol="0">
+            <a:spAutoFit/>
+          </a:bodyPr>
+          <a:lstStyle/>
+          <a:p>
+            <a:r>
+              <a:rPr lang="en-US" dirty="0"/>
+              <a:t>Name : </a:t>
+            </a:r>
+            <a:r>
+              <a:rPr lang="en-US" dirty="0" err="1"/>
+              <a:t>Hools</a:t>
+            </a:r>
+            <a:br>
+              <a:rPr lang="en-US" dirty="0"/>
+            </a:br>
+            <a:r>
+              <a:rPr lang="en-US" dirty="0"/>
+              <a:t>Ideal webserver name : www.hools.gr</a:t>
+            </a:r>
+          </a:p>
+        </p:txBody>
+      </p:sp>
+      <p:sp>
+        <p:nvSpPr>
+          <p:cNvPr id="27" name="TextBox 26">
+            <a:extLst>
+              <a:ext uri="{FF2B5EF4-FFF2-40B4-BE49-F238E27FC236}">
+                <a16:creationId xmlns:a16="http://schemas.microsoft.com/office/drawing/2014/main" id="{2E288288-53A3-CE5A-D3CB-E1ACDC52FD3B}"/>
+              </a:ext>
+            </a:extLst>
+          </p:cNvPr>
+          <p:cNvSpPr txBox="1"/>
+          <p:nvPr/>
+        </p:nvSpPr>
+        <p:spPr>
+          <a:xfrm>
+            <a:off x="538384" y="2344191"/>
+            <a:ext cx="4310287" cy="3693319"/>
+          </a:xfrm>
+          <a:prstGeom prst="rect">
+            <a:avLst/>
+          </a:prstGeom>
+          <a:noFill/>
+        </p:spPr>
+        <p:txBody>
+          <a:bodyPr wrap="square" rtlCol="0">
+            <a:spAutoFit/>
+          </a:bodyPr>
+          <a:lstStyle/>
+          <a:p>
+            <a:r>
+              <a:rPr lang="en-US" dirty="0"/>
+              <a:t>Key Functions : </a:t>
+            </a:r>
+          </a:p>
+          <a:p>
+            <a:r>
+              <a:rPr lang="en-US" dirty="0"/>
+              <a:t>Teams</a:t>
+            </a:r>
+            <a:br>
+              <a:rPr lang="en-US" dirty="0"/>
+            </a:br>
+            <a:r>
+              <a:rPr lang="en-US" dirty="0"/>
+              <a:t>1) Team Information</a:t>
+            </a:r>
+          </a:p>
+          <a:p>
+            <a:r>
+              <a:rPr lang="en-US" dirty="0"/>
+              <a:t>2) Team scoreboard (last 10 matches)</a:t>
+            </a:r>
+          </a:p>
+          <a:p>
+            <a:r>
+              <a:rPr lang="en-US" dirty="0"/>
+              <a:t>3) Team’s rank in all leagues</a:t>
+            </a:r>
+            <a:br>
+              <a:rPr lang="en-US" dirty="0"/>
+            </a:br>
+            <a:r>
+              <a:rPr lang="en-US" dirty="0"/>
+              <a:t>4) Team’s latest formation</a:t>
+            </a:r>
+          </a:p>
+          <a:p>
+            <a:r>
+              <a:rPr lang="en-US" dirty="0"/>
+              <a:t>5) Team’s players</a:t>
+            </a:r>
+          </a:p>
+          <a:p>
+            <a:r>
+              <a:rPr lang="en-US" dirty="0"/>
+              <a:t>------------------------------------------------</a:t>
+            </a:r>
+          </a:p>
+          <a:p>
+            <a:r>
+              <a:rPr lang="en-US" dirty="0"/>
+              <a:t>User</a:t>
+            </a:r>
+          </a:p>
+          <a:p>
+            <a:pPr marL="342900" indent="-342900">
+              <a:buAutoNum type="arabicParenR"/>
+            </a:pPr>
+            <a:r>
+              <a:rPr lang="en-US" dirty="0"/>
+              <a:t>Log-in, log-out</a:t>
+            </a:r>
+          </a:p>
+          <a:p>
+            <a:pPr marL="342900" indent="-342900">
+              <a:buAutoNum type="arabicParenR"/>
+            </a:pPr>
+            <a:r>
+              <a:rPr lang="en-US" dirty="0"/>
+              <a:t>Search for team / player</a:t>
+            </a:r>
+          </a:p>
+          <a:p>
+            <a:pPr marL="342900" indent="-342900">
+              <a:buAutoNum type="arabicParenR"/>
+            </a:pPr>
+            <a:r>
+              <a:rPr lang="en-US" dirty="0"/>
+              <a:t>Favorite list</a:t>
+            </a:r>
+          </a:p>
+          <a:p>
+            <a:pPr marL="342900" indent="-342900">
+              <a:buAutoNum type="arabicParenR"/>
+            </a:pPr>
+            <a:r>
+              <a:rPr lang="en-US" dirty="0"/>
+              <a:t>Admin role – Process team data</a:t>
+            </a:r>
+          </a:p>
+        </p:txBody>
+      </p:sp>
+    </p:spTree>
+    <p:extLst>
+      <p:ext uri="{BB962C8B-B14F-4D97-AF65-F5344CB8AC3E}">
+        <p14:creationId xmlns:p14="http://schemas.microsoft.com/office/powerpoint/2010/main" val="2616119615"/>
+      </p:ext>
+    </p:extLst>
+  </p:cSld>
+  <p:clrMapOvr>
+    <a:masterClrMapping/>
+  </p:clrMapOvr>
+</p:sld>
+</file>
+
+<file path=ppt/slides/slide4.xml><?xml version="1.0" encoding="utf-8"?>
+<p:sld xmlns:a="http://schemas.openxmlformats.org/drawingml/2006/main" xmlns:r="http://schemas.openxmlformats.org/officeDocument/2006/relationships" xmlns:p="http://schemas.openxmlformats.org/presentationml/2006/main">
+  <p:cSld>
+    <p:spTree>
+      <p:nvGrpSpPr>
+        <p:cNvPr id="1" name=""/>
+        <p:cNvGrpSpPr/>
+        <p:nvPr/>
+      </p:nvGrpSpPr>
+      <p:grpSpPr>
+        <a:xfrm>
+          <a:off x="0" y="0"/>
+          <a:ext cx="0" cy="0"/>
+          <a:chOff x="0" y="0"/>
+          <a:chExt cx="0" cy="0"/>
+        </a:xfrm>
+      </p:grpSpPr>
+      <p:sp>
+        <p:nvSpPr>
+          <p:cNvPr id="25" name="TextBox 24">
+            <a:extLst>
+              <a:ext uri="{FF2B5EF4-FFF2-40B4-BE49-F238E27FC236}">
+                <a16:creationId xmlns:a16="http://schemas.microsoft.com/office/drawing/2014/main" id="{9563777C-50DF-0242-6C13-00636780F3E2}"/>
+              </a:ext>
+            </a:extLst>
+          </p:cNvPr>
+          <p:cNvSpPr txBox="1"/>
+          <p:nvPr/>
+        </p:nvSpPr>
+        <p:spPr>
+          <a:xfrm>
+            <a:off x="0" y="0"/>
+            <a:ext cx="12192000" cy="369332"/>
+          </a:xfrm>
+          <a:prstGeom prst="rect">
+            <a:avLst/>
+          </a:prstGeom>
+          <a:noFill/>
+        </p:spPr>
+        <p:txBody>
+          <a:bodyPr wrap="square" rtlCol="0">
+            <a:spAutoFit/>
+          </a:bodyPr>
+          <a:lstStyle/>
+          <a:p>
+            <a:pPr algn="ctr"/>
+            <a:r>
+              <a:rPr lang="en-US" dirty="0"/>
+              <a:t>Project </a:t>
+            </a:r>
+            <a:r>
+              <a:rPr lang="en-US" dirty="0" err="1"/>
+              <a:t>Insiration</a:t>
+            </a:r>
+            <a:r>
+              <a:rPr lang="en-US" dirty="0"/>
+              <a:t> Design</a:t>
+            </a:r>
+          </a:p>
+        </p:txBody>
+      </p:sp>
+      <p:pic>
+        <p:nvPicPr>
+          <p:cNvPr id="5" name="Picture 4">
+            <a:extLst>
+              <a:ext uri="{FF2B5EF4-FFF2-40B4-BE49-F238E27FC236}">
+                <a16:creationId xmlns:a16="http://schemas.microsoft.com/office/drawing/2014/main" id="{FD893B56-5D65-5B0C-0575-6A3E5F9F1EE1}"/>
+              </a:ext>
+            </a:extLst>
+          </p:cNvPr>
+          <p:cNvPicPr>
+            <a:picLocks noChangeAspect="1"/>
+          </p:cNvPicPr>
+          <p:nvPr/>
+        </p:nvPicPr>
+        <p:blipFill>
+          <a:blip r:embed="rId2"/>
+          <a:stretch>
+            <a:fillRect/>
+          </a:stretch>
+        </p:blipFill>
+        <p:spPr>
+          <a:xfrm>
+            <a:off x="0" y="184666"/>
+            <a:ext cx="3286125" cy="3629025"/>
+          </a:xfrm>
+          <a:prstGeom prst="rect">
+            <a:avLst/>
+          </a:prstGeom>
+        </p:spPr>
+      </p:pic>
+      <p:pic>
+        <p:nvPicPr>
+          <p:cNvPr id="10" name="Picture 9">
+            <a:extLst>
+              <a:ext uri="{FF2B5EF4-FFF2-40B4-BE49-F238E27FC236}">
+                <a16:creationId xmlns:a16="http://schemas.microsoft.com/office/drawing/2014/main" id="{1F6A6521-7F51-CCEC-ED70-C834A5437DD1}"/>
+              </a:ext>
+            </a:extLst>
+          </p:cNvPr>
+          <p:cNvPicPr>
+            <a:picLocks noChangeAspect="1"/>
+          </p:cNvPicPr>
+          <p:nvPr/>
+        </p:nvPicPr>
+        <p:blipFill>
+          <a:blip r:embed="rId3"/>
+          <a:stretch>
+            <a:fillRect/>
+          </a:stretch>
+        </p:blipFill>
+        <p:spPr>
+          <a:xfrm>
+            <a:off x="3657958" y="598372"/>
+            <a:ext cx="5067300" cy="2371725"/>
+          </a:xfrm>
+          <a:prstGeom prst="rect">
+            <a:avLst/>
+          </a:prstGeom>
+        </p:spPr>
+      </p:pic>
+      <p:pic>
+        <p:nvPicPr>
+          <p:cNvPr id="12" name="Picture 11">
+            <a:extLst>
+              <a:ext uri="{FF2B5EF4-FFF2-40B4-BE49-F238E27FC236}">
+                <a16:creationId xmlns:a16="http://schemas.microsoft.com/office/drawing/2014/main" id="{90B371DA-1447-1883-1695-A4020D159751}"/>
+              </a:ext>
+            </a:extLst>
+          </p:cNvPr>
+          <p:cNvPicPr>
+            <a:picLocks noChangeAspect="1"/>
+          </p:cNvPicPr>
+          <p:nvPr/>
+        </p:nvPicPr>
+        <p:blipFill>
+          <a:blip r:embed="rId4"/>
+          <a:stretch>
+            <a:fillRect/>
+          </a:stretch>
+        </p:blipFill>
+        <p:spPr>
+          <a:xfrm>
+            <a:off x="9097091" y="104833"/>
+            <a:ext cx="2902622" cy="4964484"/>
+          </a:xfrm>
+          <a:prstGeom prst="rect">
+            <a:avLst/>
+          </a:prstGeom>
+        </p:spPr>
+      </p:pic>
+      <p:pic>
+        <p:nvPicPr>
+          <p:cNvPr id="14" name="Picture 13">
+            <a:extLst>
+              <a:ext uri="{FF2B5EF4-FFF2-40B4-BE49-F238E27FC236}">
+                <a16:creationId xmlns:a16="http://schemas.microsoft.com/office/drawing/2014/main" id="{73650815-9346-D5E5-853E-4142D48F3E5D}"/>
+              </a:ext>
+            </a:extLst>
+          </p:cNvPr>
+          <p:cNvPicPr>
+            <a:picLocks noChangeAspect="1"/>
+          </p:cNvPicPr>
+          <p:nvPr/>
+        </p:nvPicPr>
+        <p:blipFill>
+          <a:blip r:embed="rId5"/>
+          <a:stretch>
+            <a:fillRect/>
+          </a:stretch>
+        </p:blipFill>
+        <p:spPr>
+          <a:xfrm>
+            <a:off x="-258618" y="5078797"/>
+            <a:ext cx="12192000" cy="1689768"/>
+          </a:xfrm>
+          <a:prstGeom prst="rect">
+            <a:avLst/>
+          </a:prstGeom>
+        </p:spPr>
+      </p:pic>
+    </p:spTree>
+    <p:extLst>
+      <p:ext uri="{BB962C8B-B14F-4D97-AF65-F5344CB8AC3E}">
+        <p14:creationId xmlns:p14="http://schemas.microsoft.com/office/powerpoint/2010/main" val="3828681011"/>
+      </p:ext>
+    </p:extLst>
+  </p:cSld>
+  <p:clrMapOvr>
+    <a:masterClrMapping/>
+  </p:clrMapOvr>
+</p:sld>
+</file>
+
+<file path=ppt/slides/slide5.xml><?xml version="1.0" encoding="utf-8"?>
+<p:sld xmlns:a="http://schemas.openxmlformats.org/drawingml/2006/main" xmlns:r="http://schemas.openxmlformats.org/officeDocument/2006/relationships" xmlns:p="http://schemas.openxmlformats.org/presentationml/2006/main">
+  <p:cSld>
+    <p:spTree>
+      <p:nvGrpSpPr>
+        <p:cNvPr id="1" name=""/>
+        <p:cNvGrpSpPr/>
+        <p:nvPr/>
+      </p:nvGrpSpPr>
+      <p:grpSpPr>
+        <a:xfrm>
+          <a:off x="0" y="0"/>
+          <a:ext cx="0" cy="0"/>
+          <a:chOff x="0" y="0"/>
+          <a:chExt cx="0" cy="0"/>
+        </a:xfrm>
+      </p:grpSpPr>
+      <p:pic>
+        <p:nvPicPr>
+          <p:cNvPr id="5" name="Picture 4">
+            <a:extLst>
+              <a:ext uri="{FF2B5EF4-FFF2-40B4-BE49-F238E27FC236}">
+                <a16:creationId xmlns:a16="http://schemas.microsoft.com/office/drawing/2014/main" id="{2959DEC3-267D-022B-EDCB-A217ACB3C6E3}"/>
+              </a:ext>
+            </a:extLst>
+          </p:cNvPr>
+          <p:cNvPicPr>
+            <a:picLocks noChangeAspect="1"/>
+          </p:cNvPicPr>
+          <p:nvPr/>
+        </p:nvPicPr>
+        <p:blipFill>
+          <a:blip r:embed="rId2"/>
+          <a:stretch>
+            <a:fillRect/>
+          </a:stretch>
+        </p:blipFill>
+        <p:spPr>
+          <a:xfrm>
+            <a:off x="6986954" y="0"/>
+            <a:ext cx="5205046" cy="6858000"/>
+          </a:xfrm>
+          <a:prstGeom prst="rect">
+            <a:avLst/>
+          </a:prstGeom>
+        </p:spPr>
+      </p:pic>
+      <p:pic>
+        <p:nvPicPr>
+          <p:cNvPr id="1026" name="Picture 2" descr="Team Management Trouble : r/EASportsFC">
+            <a:extLst>
+              <a:ext uri="{FF2B5EF4-FFF2-40B4-BE49-F238E27FC236}">
+                <a16:creationId xmlns:a16="http://schemas.microsoft.com/office/drawing/2014/main" id="{48B533DB-2FF7-2F42-2F45-CF8AA05B14AC}"/>
+              </a:ext>
+            </a:extLst>
+          </p:cNvPr>
+          <p:cNvPicPr>
+            <a:picLocks noChangeAspect="1" noChangeArrowheads="1"/>
+          </p:cNvPicPr>
+          <p:nvPr/>
+        </p:nvPicPr>
+        <p:blipFill>
+          <a:blip r:embed="rId3">
+            <a:extLst>
+              <a:ext uri="{28A0092B-C50C-407E-A947-70E740481C1C}">
+                <a14:useLocalDpi xmlns:a14="http://schemas.microsoft.com/office/drawing/2010/main" val="0"/>
+              </a:ext>
+            </a:extLst>
+          </a:blip>
+          <a:srcRect/>
+          <a:stretch>
+            <a:fillRect/>
+          </a:stretch>
+        </p:blipFill>
+        <p:spPr bwMode="auto">
+          <a:xfrm>
+            <a:off x="526472" y="1215448"/>
+            <a:ext cx="6096000" cy="4057650"/>
+          </a:xfrm>
+          <a:prstGeom prst="rect">
+            <a:avLst/>
+          </a:prstGeom>
+          <a:noFill/>
+          <a:extLst>
+            <a:ext uri="{909E8E84-426E-40DD-AFC4-6F175D3DCCD1}">
+              <a14:hiddenFill xmlns:a14="http://schemas.microsoft.com/office/drawing/2010/main">
+                <a:solidFill>
+                  <a:srgbClr val="FFFFFF"/>
+                </a:solidFill>
+              </a14:hiddenFill>
+            </a:ext>
+          </a:extLst>
+        </p:spPr>
+      </p:pic>
+    </p:spTree>
+    <p:extLst>
+      <p:ext uri="{BB962C8B-B14F-4D97-AF65-F5344CB8AC3E}">
+        <p14:creationId xmlns:p14="http://schemas.microsoft.com/office/powerpoint/2010/main" val="796703976"/>
       </p:ext>
     </p:extLst>
   </p:cSld>
@@ -9140,6 +10521,21 @@
 </file>
 
 <file path=customXml/item1.xml><?xml version="1.0" encoding="utf-8"?>
+<p:properties xmlns:p="http://schemas.microsoft.com/office/2006/metadata/properties" xmlns:xsi="http://www.w3.org/2001/XMLSchema-instance" xmlns:pc="http://schemas.microsoft.com/office/infopath/2007/PartnerControls">
+  <documentManagement/>
+</p:properties>
+</file>
+
+<file path=customXml/item2.xml><?xml version="1.0" encoding="utf-8"?>
+<?mso-contentType ?>
+<FormTemplates xmlns="http://schemas.microsoft.com/sharepoint/v3/contenttype/forms">
+  <Display>DocumentLibraryForm</Display>
+  <Edit>DocumentLibraryForm</Edit>
+  <New>DocumentLibraryForm</New>
+</FormTemplates>
+</file>
+
+<file path=customXml/item3.xml><?xml version="1.0" encoding="utf-8"?>
 <ct:contentTypeSchema xmlns:ct="http://schemas.microsoft.com/office/2006/metadata/contentType" xmlns:ma="http://schemas.microsoft.com/office/2006/metadata/properties/metaAttributes" ct:_="" ma:_="" ma:contentTypeName="Document" ma:contentTypeID="0x01010080B6B337665EDE48BFD910FF7A736739" ma:contentTypeVersion="3" ma:contentTypeDescription="Create a new document." ma:contentTypeScope="" ma:versionID="f31437dcd7cdd299e1bc008ad35bc711">
   <xsd:schema xmlns:xsd="http://www.w3.org/2001/XMLSchema" xmlns:xs="http://www.w3.org/2001/XMLSchema" xmlns:p="http://schemas.microsoft.com/office/2006/metadata/properties" xmlns:ns3="fbd8120b-9a82-47de-acb2-d9b076fc7430" targetNamespace="http://schemas.microsoft.com/office/2006/metadata/properties" ma:root="true" ma:fieldsID="ddc3ebed9f41d0f0fc612f08be86bad8" ns3:_="">
     <xsd:import namespace="fbd8120b-9a82-47de-acb2-d9b076fc7430"/>
@@ -9277,22 +10673,31 @@
 </ct:contentTypeSchema>
 </file>
 
-<file path=customXml/item2.xml><?xml version="1.0" encoding="utf-8"?>
-<?mso-contentType ?>
-<FormTemplates xmlns="http://schemas.microsoft.com/sharepoint/v3/contenttype/forms">
-  <Display>DocumentLibraryForm</Display>
-  <Edit>DocumentLibraryForm</Edit>
-  <New>DocumentLibraryForm</New>
-</FormTemplates>
+<file path=customXml/itemProps1.xml><?xml version="1.0" encoding="utf-8"?>
+<ds:datastoreItem xmlns:ds="http://schemas.openxmlformats.org/officeDocument/2006/customXml" ds:itemID="{360FF358-03B0-422F-AA67-9BD7A972510F}">
+  <ds:schemaRefs>
+    <ds:schemaRef ds:uri="http://schemas.microsoft.com/office/2006/documentManagement/types"/>
+    <ds:schemaRef ds:uri="http://purl.org/dc/dcmitype/"/>
+    <ds:schemaRef ds:uri="http://schemas.microsoft.com/office/2006/metadata/properties"/>
+    <ds:schemaRef ds:uri="http://purl.org/dc/elements/1.1/"/>
+    <ds:schemaRef ds:uri="http://schemas.openxmlformats.org/package/2006/metadata/core-properties"/>
+    <ds:schemaRef ds:uri="http://purl.org/dc/terms/"/>
+    <ds:schemaRef ds:uri="fbd8120b-9a82-47de-acb2-d9b076fc7430"/>
+    <ds:schemaRef ds:uri="http://schemas.microsoft.com/office/infopath/2007/PartnerControls"/>
+    <ds:schemaRef ds:uri="http://www.w3.org/XML/1998/namespace"/>
+  </ds:schemaRefs>
+</ds:datastoreItem>
 </file>
 
-<file path=customXml/item3.xml><?xml version="1.0" encoding="utf-8"?>
-<p:properties xmlns:p="http://schemas.microsoft.com/office/2006/metadata/properties" xmlns:xsi="http://www.w3.org/2001/XMLSchema-instance" xmlns:pc="http://schemas.microsoft.com/office/infopath/2007/PartnerControls">
-  <documentManagement/>
-</p:properties>
+<file path=customXml/itemProps2.xml><?xml version="1.0" encoding="utf-8"?>
+<ds:datastoreItem xmlns:ds="http://schemas.openxmlformats.org/officeDocument/2006/customXml" ds:itemID="{E2177D56-C6C8-4BD1-8F2E-F00D7C5BE258}">
+  <ds:schemaRefs>
+    <ds:schemaRef ds:uri="http://schemas.microsoft.com/sharepoint/v3/contenttype/forms"/>
+  </ds:schemaRefs>
+</ds:datastoreItem>
 </file>
 
-<file path=customXml/itemProps1.xml><?xml version="1.0" encoding="utf-8"?>
+<file path=customXml/itemProps3.xml><?xml version="1.0" encoding="utf-8"?>
 <ds:datastoreItem xmlns:ds="http://schemas.openxmlformats.org/officeDocument/2006/customXml" ds:itemID="{AB1A2CAA-BB23-4B2E-BEF0-AB05E6BF5021}">
   <ds:schemaRefs>
     <ds:schemaRef ds:uri="http://schemas.microsoft.com/office/2006/metadata/contentType"/>
@@ -9308,28 +10713,4 @@
     <ds:schemaRef ds:uri="http://schemas.microsoft.com/internal/obd"/>
   </ds:schemaRefs>
 </ds:datastoreItem>
-</file>
-
-<file path=customXml/itemProps2.xml><?xml version="1.0" encoding="utf-8"?>
-<ds:datastoreItem xmlns:ds="http://schemas.openxmlformats.org/officeDocument/2006/customXml" ds:itemID="{E2177D56-C6C8-4BD1-8F2E-F00D7C5BE258}">
-  <ds:schemaRefs>
-    <ds:schemaRef ds:uri="http://schemas.microsoft.com/sharepoint/v3/contenttype/forms"/>
-  </ds:schemaRefs>
-</ds:datastoreItem>
-</file>
-
-<file path=customXml/itemProps3.xml><?xml version="1.0" encoding="utf-8"?>
-<ds:datastoreItem xmlns:ds="http://schemas.openxmlformats.org/officeDocument/2006/customXml" ds:itemID="{360FF358-03B0-422F-AA67-9BD7A972510F}">
-  <ds:schemaRefs>
-    <ds:schemaRef ds:uri="http://schemas.microsoft.com/office/2006/documentManagement/types"/>
-    <ds:schemaRef ds:uri="http://purl.org/dc/dcmitype/"/>
-    <ds:schemaRef ds:uri="http://schemas.microsoft.com/office/2006/metadata/properties"/>
-    <ds:schemaRef ds:uri="http://purl.org/dc/elements/1.1/"/>
-    <ds:schemaRef ds:uri="http://schemas.openxmlformats.org/package/2006/metadata/core-properties"/>
-    <ds:schemaRef ds:uri="http://purl.org/dc/terms/"/>
-    <ds:schemaRef ds:uri="fbd8120b-9a82-47de-acb2-d9b076fc7430"/>
-    <ds:schemaRef ds:uri="http://schemas.microsoft.com/office/infopath/2007/PartnerControls"/>
-    <ds:schemaRef ds:uri="http://www.w3.org/XML/1998/namespace"/>
-  </ds:schemaRefs>
-</ds:datastoreItem>
 </file>
--- a/datagrams/Ομάδα 15.pptx
+++ b/datagrams/Ομάδα 15.pptx
@@ -6,10 +6,20 @@
   </p:sldMasterIdLst>
   <p:sldIdLst>
     <p:sldId id="256" r:id="rId5"/>
-    <p:sldId id="257" r:id="rId6"/>
-    <p:sldId id="259" r:id="rId7"/>
-    <p:sldId id="261" r:id="rId8"/>
-    <p:sldId id="262" r:id="rId9"/>
+    <p:sldId id="272" r:id="rId6"/>
+    <p:sldId id="257" r:id="rId7"/>
+    <p:sldId id="263" r:id="rId8"/>
+    <p:sldId id="266" r:id="rId9"/>
+    <p:sldId id="264" r:id="rId10"/>
+    <p:sldId id="265" r:id="rId11"/>
+    <p:sldId id="271" r:id="rId12"/>
+    <p:sldId id="267" r:id="rId13"/>
+    <p:sldId id="268" r:id="rId14"/>
+    <p:sldId id="269" r:id="rId15"/>
+    <p:sldId id="270" r:id="rId16"/>
+    <p:sldId id="259" r:id="rId17"/>
+    <p:sldId id="261" r:id="rId18"/>
+    <p:sldId id="262" r:id="rId19"/>
   </p:sldIdLst>
   <p:sldSz cx="12192000" cy="6858000"/>
   <p:notesSz cx="6858000" cy="9144000"/>
@@ -263,7 +273,7 @@
           <a:p>
             <a:fld id="{4C82DDF5-30D6-4DCE-A182-21BDB5439A4A}" type="datetimeFigureOut">
               <a:rPr lang="en-US" smtClean="0"/>
-              <a:t>3/10/2024</a:t>
+              <a:t>3/30/2024</a:t>
             </a:fld>
             <a:endParaRPr lang="en-US"/>
           </a:p>
@@ -461,7 +471,7 @@
           <a:p>
             <a:fld id="{4C82DDF5-30D6-4DCE-A182-21BDB5439A4A}" type="datetimeFigureOut">
               <a:rPr lang="en-US" smtClean="0"/>
-              <a:t>3/10/2024</a:t>
+              <a:t>3/30/2024</a:t>
             </a:fld>
             <a:endParaRPr lang="en-US"/>
           </a:p>
@@ -669,7 +679,7 @@
           <a:p>
             <a:fld id="{4C82DDF5-30D6-4DCE-A182-21BDB5439A4A}" type="datetimeFigureOut">
               <a:rPr lang="en-US" smtClean="0"/>
-              <a:t>3/10/2024</a:t>
+              <a:t>3/30/2024</a:t>
             </a:fld>
             <a:endParaRPr lang="en-US"/>
           </a:p>
@@ -867,7 +877,7 @@
           <a:p>
             <a:fld id="{4C82DDF5-30D6-4DCE-A182-21BDB5439A4A}" type="datetimeFigureOut">
               <a:rPr lang="en-US" smtClean="0"/>
-              <a:t>3/10/2024</a:t>
+              <a:t>3/30/2024</a:t>
             </a:fld>
             <a:endParaRPr lang="en-US"/>
           </a:p>
@@ -1142,7 +1152,7 @@
           <a:p>
             <a:fld id="{4C82DDF5-30D6-4DCE-A182-21BDB5439A4A}" type="datetimeFigureOut">
               <a:rPr lang="en-US" smtClean="0"/>
-              <a:t>3/10/2024</a:t>
+              <a:t>3/30/2024</a:t>
             </a:fld>
             <a:endParaRPr lang="en-US"/>
           </a:p>
@@ -1407,7 +1417,7 @@
           <a:p>
             <a:fld id="{4C82DDF5-30D6-4DCE-A182-21BDB5439A4A}" type="datetimeFigureOut">
               <a:rPr lang="en-US" smtClean="0"/>
-              <a:t>3/10/2024</a:t>
+              <a:t>3/30/2024</a:t>
             </a:fld>
             <a:endParaRPr lang="en-US"/>
           </a:p>
@@ -1819,7 +1829,7 @@
           <a:p>
             <a:fld id="{4C82DDF5-30D6-4DCE-A182-21BDB5439A4A}" type="datetimeFigureOut">
               <a:rPr lang="en-US" smtClean="0"/>
-              <a:t>3/10/2024</a:t>
+              <a:t>3/30/2024</a:t>
             </a:fld>
             <a:endParaRPr lang="en-US"/>
           </a:p>
@@ -1960,7 +1970,7 @@
           <a:p>
             <a:fld id="{4C82DDF5-30D6-4DCE-A182-21BDB5439A4A}" type="datetimeFigureOut">
               <a:rPr lang="en-US" smtClean="0"/>
-              <a:t>3/10/2024</a:t>
+              <a:t>3/30/2024</a:t>
             </a:fld>
             <a:endParaRPr lang="en-US"/>
           </a:p>
@@ -2073,7 +2083,7 @@
           <a:p>
             <a:fld id="{4C82DDF5-30D6-4DCE-A182-21BDB5439A4A}" type="datetimeFigureOut">
               <a:rPr lang="en-US" smtClean="0"/>
-              <a:t>3/10/2024</a:t>
+              <a:t>3/30/2024</a:t>
             </a:fld>
             <a:endParaRPr lang="en-US"/>
           </a:p>
@@ -2384,7 +2394,7 @@
           <a:p>
             <a:fld id="{4C82DDF5-30D6-4DCE-A182-21BDB5439A4A}" type="datetimeFigureOut">
               <a:rPr lang="en-US" smtClean="0"/>
-              <a:t>3/10/2024</a:t>
+              <a:t>3/30/2024</a:t>
             </a:fld>
             <a:endParaRPr lang="en-US"/>
           </a:p>
@@ -2672,7 +2682,7 @@
           <a:p>
             <a:fld id="{4C82DDF5-30D6-4DCE-A182-21BDB5439A4A}" type="datetimeFigureOut">
               <a:rPr lang="en-US" smtClean="0"/>
-              <a:t>3/10/2024</a:t>
+              <a:t>3/30/2024</a:t>
             </a:fld>
             <a:endParaRPr lang="en-US"/>
           </a:p>
@@ -2913,7 +2923,7 @@
           <a:p>
             <a:fld id="{4C82DDF5-30D6-4DCE-A182-21BDB5439A4A}" type="datetimeFigureOut">
               <a:rPr lang="en-US" smtClean="0"/>
-              <a:t>3/10/2024</a:t>
+              <a:t>3/30/2024</a:t>
             </a:fld>
             <a:endParaRPr lang="en-US"/>
           </a:p>
@@ -3420,7 +3430,1009 @@
 </p:sld>
 </file>
 
+<file path=ppt/slides/slide10.xml><?xml version="1.0" encoding="utf-8"?>
+<p:sld xmlns:a="http://schemas.openxmlformats.org/drawingml/2006/main" xmlns:r="http://schemas.openxmlformats.org/officeDocument/2006/relationships" xmlns:p="http://schemas.openxmlformats.org/presentationml/2006/main">
+  <p:cSld>
+    <p:spTree>
+      <p:nvGrpSpPr>
+        <p:cNvPr id="1" name=""/>
+        <p:cNvGrpSpPr/>
+        <p:nvPr/>
+      </p:nvGrpSpPr>
+      <p:grpSpPr>
+        <a:xfrm>
+          <a:off x="0" y="0"/>
+          <a:ext cx="0" cy="0"/>
+          <a:chOff x="0" y="0"/>
+          <a:chExt cx="0" cy="0"/>
+        </a:xfrm>
+      </p:grpSpPr>
+      <p:sp>
+        <p:nvSpPr>
+          <p:cNvPr id="2" name="Title 1">
+            <a:extLst>
+              <a:ext uri="{FF2B5EF4-FFF2-40B4-BE49-F238E27FC236}">
+                <a16:creationId xmlns:a16="http://schemas.microsoft.com/office/drawing/2014/main" id="{F4DEE874-ADB9-5AC1-DF0C-6EAEA04B2EE3}"/>
+              </a:ext>
+            </a:extLst>
+          </p:cNvPr>
+          <p:cNvSpPr>
+            <a:spLocks noGrp="1"/>
+          </p:cNvSpPr>
+          <p:nvPr>
+            <p:ph type="title"/>
+          </p:nvPr>
+        </p:nvSpPr>
+        <p:spPr/>
+        <p:txBody>
+          <a:bodyPr/>
+          <a:lstStyle/>
+          <a:p>
+            <a:endParaRPr lang="en-US"/>
+          </a:p>
+        </p:txBody>
+      </p:sp>
+      <p:sp>
+        <p:nvSpPr>
+          <p:cNvPr id="3" name="Content Placeholder 2">
+            <a:extLst>
+              <a:ext uri="{FF2B5EF4-FFF2-40B4-BE49-F238E27FC236}">
+                <a16:creationId xmlns:a16="http://schemas.microsoft.com/office/drawing/2014/main" id="{05E67248-6E10-38EE-262A-DE0DF49E149E}"/>
+              </a:ext>
+            </a:extLst>
+          </p:cNvPr>
+          <p:cNvSpPr>
+            <a:spLocks noGrp="1"/>
+          </p:cNvSpPr>
+          <p:nvPr>
+            <p:ph idx="1"/>
+          </p:nvPr>
+        </p:nvSpPr>
+        <p:spPr/>
+        <p:txBody>
+          <a:bodyPr/>
+          <a:lstStyle/>
+          <a:p>
+            <a:endParaRPr lang="en-US"/>
+          </a:p>
+        </p:txBody>
+      </p:sp>
+      <p:pic>
+        <p:nvPicPr>
+          <p:cNvPr id="5" name="Picture 4">
+            <a:extLst>
+              <a:ext uri="{FF2B5EF4-FFF2-40B4-BE49-F238E27FC236}">
+                <a16:creationId xmlns:a16="http://schemas.microsoft.com/office/drawing/2014/main" id="{14DE0485-5865-2F91-0A69-4635BE5621CA}"/>
+              </a:ext>
+            </a:extLst>
+          </p:cNvPr>
+          <p:cNvPicPr>
+            <a:picLocks noChangeAspect="1"/>
+          </p:cNvPicPr>
+          <p:nvPr/>
+        </p:nvPicPr>
+        <p:blipFill>
+          <a:blip r:embed="rId2"/>
+          <a:stretch>
+            <a:fillRect/>
+          </a:stretch>
+        </p:blipFill>
+        <p:spPr>
+          <a:xfrm>
+            <a:off x="1383301" y="0"/>
+            <a:ext cx="9425398" cy="6858000"/>
+          </a:xfrm>
+          <a:prstGeom prst="rect">
+            <a:avLst/>
+          </a:prstGeom>
+        </p:spPr>
+      </p:pic>
+    </p:spTree>
+    <p:extLst>
+      <p:ext uri="{BB962C8B-B14F-4D97-AF65-F5344CB8AC3E}">
+        <p14:creationId xmlns:p14="http://schemas.microsoft.com/office/powerpoint/2010/main" val="3512326954"/>
+      </p:ext>
+    </p:extLst>
+  </p:cSld>
+  <p:clrMapOvr>
+    <a:masterClrMapping/>
+  </p:clrMapOvr>
+</p:sld>
+</file>
+
+<file path=ppt/slides/slide11.xml><?xml version="1.0" encoding="utf-8"?>
+<p:sld xmlns:a="http://schemas.openxmlformats.org/drawingml/2006/main" xmlns:r="http://schemas.openxmlformats.org/officeDocument/2006/relationships" xmlns:p="http://schemas.openxmlformats.org/presentationml/2006/main">
+  <p:cSld>
+    <p:spTree>
+      <p:nvGrpSpPr>
+        <p:cNvPr id="1" name=""/>
+        <p:cNvGrpSpPr/>
+        <p:nvPr/>
+      </p:nvGrpSpPr>
+      <p:grpSpPr>
+        <a:xfrm>
+          <a:off x="0" y="0"/>
+          <a:ext cx="0" cy="0"/>
+          <a:chOff x="0" y="0"/>
+          <a:chExt cx="0" cy="0"/>
+        </a:xfrm>
+      </p:grpSpPr>
+      <p:sp>
+        <p:nvSpPr>
+          <p:cNvPr id="2" name="Title 1">
+            <a:extLst>
+              <a:ext uri="{FF2B5EF4-FFF2-40B4-BE49-F238E27FC236}">
+                <a16:creationId xmlns:a16="http://schemas.microsoft.com/office/drawing/2014/main" id="{16712546-7983-752B-552B-23340F296987}"/>
+              </a:ext>
+            </a:extLst>
+          </p:cNvPr>
+          <p:cNvSpPr>
+            <a:spLocks noGrp="1"/>
+          </p:cNvSpPr>
+          <p:nvPr>
+            <p:ph type="title"/>
+          </p:nvPr>
+        </p:nvSpPr>
+        <p:spPr/>
+        <p:txBody>
+          <a:bodyPr/>
+          <a:lstStyle/>
+          <a:p>
+            <a:endParaRPr lang="en-US"/>
+          </a:p>
+        </p:txBody>
+      </p:sp>
+      <p:sp>
+        <p:nvSpPr>
+          <p:cNvPr id="3" name="Content Placeholder 2">
+            <a:extLst>
+              <a:ext uri="{FF2B5EF4-FFF2-40B4-BE49-F238E27FC236}">
+                <a16:creationId xmlns:a16="http://schemas.microsoft.com/office/drawing/2014/main" id="{EB081497-EE5F-81CC-0874-72B9ECAD7968}"/>
+              </a:ext>
+            </a:extLst>
+          </p:cNvPr>
+          <p:cNvSpPr>
+            <a:spLocks noGrp="1"/>
+          </p:cNvSpPr>
+          <p:nvPr>
+            <p:ph idx="1"/>
+          </p:nvPr>
+        </p:nvSpPr>
+        <p:spPr/>
+        <p:txBody>
+          <a:bodyPr/>
+          <a:lstStyle/>
+          <a:p>
+            <a:endParaRPr lang="en-US"/>
+          </a:p>
+        </p:txBody>
+      </p:sp>
+      <p:pic>
+        <p:nvPicPr>
+          <p:cNvPr id="5" name="Picture 4">
+            <a:extLst>
+              <a:ext uri="{FF2B5EF4-FFF2-40B4-BE49-F238E27FC236}">
+                <a16:creationId xmlns:a16="http://schemas.microsoft.com/office/drawing/2014/main" id="{4930A049-2B55-F4FB-9057-44E01D9D12C8}"/>
+              </a:ext>
+            </a:extLst>
+          </p:cNvPr>
+          <p:cNvPicPr>
+            <a:picLocks noChangeAspect="1"/>
+          </p:cNvPicPr>
+          <p:nvPr/>
+        </p:nvPicPr>
+        <p:blipFill>
+          <a:blip r:embed="rId2"/>
+          <a:stretch>
+            <a:fillRect/>
+          </a:stretch>
+        </p:blipFill>
+        <p:spPr>
+          <a:xfrm>
+            <a:off x="9998" y="0"/>
+            <a:ext cx="12172003" cy="6858000"/>
+          </a:xfrm>
+          <a:prstGeom prst="rect">
+            <a:avLst/>
+          </a:prstGeom>
+        </p:spPr>
+      </p:pic>
+    </p:spTree>
+    <p:extLst>
+      <p:ext uri="{BB962C8B-B14F-4D97-AF65-F5344CB8AC3E}">
+        <p14:creationId xmlns:p14="http://schemas.microsoft.com/office/powerpoint/2010/main" val="2409782810"/>
+      </p:ext>
+    </p:extLst>
+  </p:cSld>
+  <p:clrMapOvr>
+    <a:masterClrMapping/>
+  </p:clrMapOvr>
+</p:sld>
+</file>
+
+<file path=ppt/slides/slide12.xml><?xml version="1.0" encoding="utf-8"?>
+<p:sld xmlns:a="http://schemas.openxmlformats.org/drawingml/2006/main" xmlns:r="http://schemas.openxmlformats.org/officeDocument/2006/relationships" xmlns:p="http://schemas.openxmlformats.org/presentationml/2006/main">
+  <p:cSld>
+    <p:spTree>
+      <p:nvGrpSpPr>
+        <p:cNvPr id="1" name=""/>
+        <p:cNvGrpSpPr/>
+        <p:nvPr/>
+      </p:nvGrpSpPr>
+      <p:grpSpPr>
+        <a:xfrm>
+          <a:off x="0" y="0"/>
+          <a:ext cx="0" cy="0"/>
+          <a:chOff x="0" y="0"/>
+          <a:chExt cx="0" cy="0"/>
+        </a:xfrm>
+      </p:grpSpPr>
+      <p:sp>
+        <p:nvSpPr>
+          <p:cNvPr id="2" name="Title 1">
+            <a:extLst>
+              <a:ext uri="{FF2B5EF4-FFF2-40B4-BE49-F238E27FC236}">
+                <a16:creationId xmlns:a16="http://schemas.microsoft.com/office/drawing/2014/main" id="{84CE83BE-DE17-D105-B72F-6C259C778C6B}"/>
+              </a:ext>
+            </a:extLst>
+          </p:cNvPr>
+          <p:cNvSpPr>
+            <a:spLocks noGrp="1"/>
+          </p:cNvSpPr>
+          <p:nvPr>
+            <p:ph type="title"/>
+          </p:nvPr>
+        </p:nvSpPr>
+        <p:spPr/>
+        <p:txBody>
+          <a:bodyPr/>
+          <a:lstStyle/>
+          <a:p>
+            <a:endParaRPr lang="en-US"/>
+          </a:p>
+        </p:txBody>
+      </p:sp>
+      <p:sp>
+        <p:nvSpPr>
+          <p:cNvPr id="3" name="Content Placeholder 2">
+            <a:extLst>
+              <a:ext uri="{FF2B5EF4-FFF2-40B4-BE49-F238E27FC236}">
+                <a16:creationId xmlns:a16="http://schemas.microsoft.com/office/drawing/2014/main" id="{3E17DE7A-F5CA-02FF-5010-70B6CF002628}"/>
+              </a:ext>
+            </a:extLst>
+          </p:cNvPr>
+          <p:cNvSpPr>
+            <a:spLocks noGrp="1"/>
+          </p:cNvSpPr>
+          <p:nvPr>
+            <p:ph idx="1"/>
+          </p:nvPr>
+        </p:nvSpPr>
+        <p:spPr/>
+        <p:txBody>
+          <a:bodyPr/>
+          <a:lstStyle/>
+          <a:p>
+            <a:endParaRPr lang="en-US"/>
+          </a:p>
+        </p:txBody>
+      </p:sp>
+      <p:pic>
+        <p:nvPicPr>
+          <p:cNvPr id="5" name="Picture 4">
+            <a:extLst>
+              <a:ext uri="{FF2B5EF4-FFF2-40B4-BE49-F238E27FC236}">
+                <a16:creationId xmlns:a16="http://schemas.microsoft.com/office/drawing/2014/main" id="{8016FD67-E8DA-5583-3AD5-4BA2D7AAFDE4}"/>
+              </a:ext>
+            </a:extLst>
+          </p:cNvPr>
+          <p:cNvPicPr>
+            <a:picLocks noChangeAspect="1"/>
+          </p:cNvPicPr>
+          <p:nvPr/>
+        </p:nvPicPr>
+        <p:blipFill>
+          <a:blip r:embed="rId2"/>
+          <a:stretch>
+            <a:fillRect/>
+          </a:stretch>
+        </p:blipFill>
+        <p:spPr>
+          <a:xfrm>
+            <a:off x="23123" y="0"/>
+            <a:ext cx="12145754" cy="6858000"/>
+          </a:xfrm>
+          <a:prstGeom prst="rect">
+            <a:avLst/>
+          </a:prstGeom>
+        </p:spPr>
+      </p:pic>
+    </p:spTree>
+    <p:extLst>
+      <p:ext uri="{BB962C8B-B14F-4D97-AF65-F5344CB8AC3E}">
+        <p14:creationId xmlns:p14="http://schemas.microsoft.com/office/powerpoint/2010/main" val="1176040851"/>
+      </p:ext>
+    </p:extLst>
+  </p:cSld>
+  <p:clrMapOvr>
+    <a:masterClrMapping/>
+  </p:clrMapOvr>
+</p:sld>
+</file>
+
+<file path=ppt/slides/slide13.xml><?xml version="1.0" encoding="utf-8"?>
+<p:sld xmlns:a="http://schemas.openxmlformats.org/drawingml/2006/main" xmlns:r="http://schemas.openxmlformats.org/officeDocument/2006/relationships" xmlns:p="http://schemas.openxmlformats.org/presentationml/2006/main">
+  <p:cSld>
+    <p:spTree>
+      <p:nvGrpSpPr>
+        <p:cNvPr id="1" name=""/>
+        <p:cNvGrpSpPr/>
+        <p:nvPr/>
+      </p:nvGrpSpPr>
+      <p:grpSpPr>
+        <a:xfrm>
+          <a:off x="0" y="0"/>
+          <a:ext cx="0" cy="0"/>
+          <a:chOff x="0" y="0"/>
+          <a:chExt cx="0" cy="0"/>
+        </a:xfrm>
+      </p:grpSpPr>
+      <p:sp>
+        <p:nvSpPr>
+          <p:cNvPr id="2" name="Title 1">
+            <a:extLst>
+              <a:ext uri="{FF2B5EF4-FFF2-40B4-BE49-F238E27FC236}">
+                <a16:creationId xmlns:a16="http://schemas.microsoft.com/office/drawing/2014/main" id="{5410BF5C-B124-BD5B-23B6-A4DD26519404}"/>
+              </a:ext>
+            </a:extLst>
+          </p:cNvPr>
+          <p:cNvSpPr>
+            <a:spLocks noGrp="1"/>
+          </p:cNvSpPr>
+          <p:nvPr>
+            <p:ph type="title"/>
+          </p:nvPr>
+        </p:nvSpPr>
+        <p:spPr>
+          <a:xfrm>
+            <a:off x="6956278" y="867880"/>
+            <a:ext cx="4329156" cy="235239"/>
+          </a:xfrm>
+        </p:spPr>
+        <p:txBody>
+          <a:bodyPr>
+            <a:noAutofit/>
+          </a:bodyPr>
+          <a:lstStyle/>
+          <a:p>
+            <a:pPr algn="ctr"/>
+            <a:r>
+              <a:rPr lang="en-US" sz="2000" dirty="0"/>
+              <a:t>Application Logo</a:t>
+            </a:r>
+          </a:p>
+        </p:txBody>
+      </p:sp>
+      <p:pic>
+        <p:nvPicPr>
+          <p:cNvPr id="4" name="Picture 3" descr="A cartoon of a skull with horns&#10;&#10;Description automatically generated">
+            <a:extLst>
+              <a:ext uri="{FF2B5EF4-FFF2-40B4-BE49-F238E27FC236}">
+                <a16:creationId xmlns:a16="http://schemas.microsoft.com/office/drawing/2014/main" id="{679A8DD6-14A9-ABE0-8793-E3EF881D536E}"/>
+              </a:ext>
+            </a:extLst>
+          </p:cNvPr>
+          <p:cNvPicPr>
+            <a:picLocks noChangeAspect="1"/>
+          </p:cNvPicPr>
+          <p:nvPr/>
+        </p:nvPicPr>
+        <p:blipFill>
+          <a:blip r:embed="rId2">
+            <a:extLst>
+              <a:ext uri="{28A0092B-C50C-407E-A947-70E740481C1C}">
+                <a14:useLocalDpi xmlns:a14="http://schemas.microsoft.com/office/drawing/2010/main" val="0"/>
+              </a:ext>
+            </a:extLst>
+          </a:blip>
+          <a:stretch>
+            <a:fillRect/>
+          </a:stretch>
+        </p:blipFill>
+        <p:spPr>
+          <a:xfrm>
+            <a:off x="8725257" y="1103119"/>
+            <a:ext cx="2039240" cy="2039240"/>
+          </a:xfrm>
+          <a:prstGeom prst="rect">
+            <a:avLst/>
+          </a:prstGeom>
+        </p:spPr>
+      </p:pic>
+      <p:pic>
+        <p:nvPicPr>
+          <p:cNvPr id="8" name="Picture 7" descr="A cartoon of a person&#10;&#10;Description automatically generated">
+            <a:extLst>
+              <a:ext uri="{FF2B5EF4-FFF2-40B4-BE49-F238E27FC236}">
+                <a16:creationId xmlns:a16="http://schemas.microsoft.com/office/drawing/2014/main" id="{FCB0BC84-486F-612D-B627-05FE9ECF34F2}"/>
+              </a:ext>
+            </a:extLst>
+          </p:cNvPr>
+          <p:cNvPicPr>
+            <a:picLocks noChangeAspect="1"/>
+          </p:cNvPicPr>
+          <p:nvPr/>
+        </p:nvPicPr>
+        <p:blipFill>
+          <a:blip r:embed="rId3">
+            <a:extLst>
+              <a:ext uri="{28A0092B-C50C-407E-A947-70E740481C1C}">
+                <a14:useLocalDpi xmlns:a14="http://schemas.microsoft.com/office/drawing/2010/main" val="0"/>
+              </a:ext>
+            </a:extLst>
+          </a:blip>
+          <a:stretch>
+            <a:fillRect/>
+          </a:stretch>
+        </p:blipFill>
+        <p:spPr>
+          <a:xfrm>
+            <a:off x="7024644" y="1272433"/>
+            <a:ext cx="1700613" cy="1700613"/>
+          </a:xfrm>
+          <a:prstGeom prst="rect">
+            <a:avLst/>
+          </a:prstGeom>
+        </p:spPr>
+      </p:pic>
+      <p:sp>
+        <p:nvSpPr>
+          <p:cNvPr id="25" name="TextBox 24">
+            <a:extLst>
+              <a:ext uri="{FF2B5EF4-FFF2-40B4-BE49-F238E27FC236}">
+                <a16:creationId xmlns:a16="http://schemas.microsoft.com/office/drawing/2014/main" id="{9563777C-50DF-0242-6C13-00636780F3E2}"/>
+              </a:ext>
+            </a:extLst>
+          </p:cNvPr>
+          <p:cNvSpPr txBox="1"/>
+          <p:nvPr/>
+        </p:nvSpPr>
+        <p:spPr>
+          <a:xfrm>
+            <a:off x="0" y="0"/>
+            <a:ext cx="12192000" cy="369332"/>
+          </a:xfrm>
+          <a:prstGeom prst="rect">
+            <a:avLst/>
+          </a:prstGeom>
+          <a:noFill/>
+        </p:spPr>
+        <p:txBody>
+          <a:bodyPr wrap="square" rtlCol="0">
+            <a:spAutoFit/>
+          </a:bodyPr>
+          <a:lstStyle/>
+          <a:p>
+            <a:pPr algn="ctr"/>
+            <a:r>
+              <a:rPr lang="en-US" dirty="0"/>
+              <a:t>Project Core Elements</a:t>
+            </a:r>
+          </a:p>
+        </p:txBody>
+      </p:sp>
+      <p:sp>
+        <p:nvSpPr>
+          <p:cNvPr id="26" name="TextBox 25">
+            <a:extLst>
+              <a:ext uri="{FF2B5EF4-FFF2-40B4-BE49-F238E27FC236}">
+                <a16:creationId xmlns:a16="http://schemas.microsoft.com/office/drawing/2014/main" id="{2BC93C69-DD1E-E448-2F91-721D36FA4223}"/>
+              </a:ext>
+            </a:extLst>
+          </p:cNvPr>
+          <p:cNvSpPr txBox="1"/>
+          <p:nvPr/>
+        </p:nvSpPr>
+        <p:spPr>
+          <a:xfrm>
+            <a:off x="470019" y="1034041"/>
+            <a:ext cx="4447019" cy="646331"/>
+          </a:xfrm>
+          <a:prstGeom prst="rect">
+            <a:avLst/>
+          </a:prstGeom>
+          <a:noFill/>
+        </p:spPr>
+        <p:txBody>
+          <a:bodyPr wrap="square" rtlCol="0">
+            <a:spAutoFit/>
+          </a:bodyPr>
+          <a:lstStyle/>
+          <a:p>
+            <a:r>
+              <a:rPr lang="en-US" dirty="0"/>
+              <a:t>Name : </a:t>
+            </a:r>
+            <a:r>
+              <a:rPr lang="en-US" dirty="0" err="1"/>
+              <a:t>Hools</a:t>
+            </a:r>
+            <a:br>
+              <a:rPr lang="en-US" dirty="0"/>
+            </a:br>
+            <a:r>
+              <a:rPr lang="en-US" dirty="0"/>
+              <a:t>Ideal webserver name : www.hools.gr</a:t>
+            </a:r>
+          </a:p>
+        </p:txBody>
+      </p:sp>
+      <p:sp>
+        <p:nvSpPr>
+          <p:cNvPr id="27" name="TextBox 26">
+            <a:extLst>
+              <a:ext uri="{FF2B5EF4-FFF2-40B4-BE49-F238E27FC236}">
+                <a16:creationId xmlns:a16="http://schemas.microsoft.com/office/drawing/2014/main" id="{2E288288-53A3-CE5A-D3CB-E1ACDC52FD3B}"/>
+              </a:ext>
+            </a:extLst>
+          </p:cNvPr>
+          <p:cNvSpPr txBox="1"/>
+          <p:nvPr/>
+        </p:nvSpPr>
+        <p:spPr>
+          <a:xfrm>
+            <a:off x="538384" y="2344191"/>
+            <a:ext cx="4310287" cy="3693319"/>
+          </a:xfrm>
+          <a:prstGeom prst="rect">
+            <a:avLst/>
+          </a:prstGeom>
+          <a:noFill/>
+        </p:spPr>
+        <p:txBody>
+          <a:bodyPr wrap="square" rtlCol="0">
+            <a:spAutoFit/>
+          </a:bodyPr>
+          <a:lstStyle/>
+          <a:p>
+            <a:r>
+              <a:rPr lang="en-US" dirty="0"/>
+              <a:t>Key Functions : </a:t>
+            </a:r>
+          </a:p>
+          <a:p>
+            <a:r>
+              <a:rPr lang="en-US" dirty="0"/>
+              <a:t>Teams</a:t>
+            </a:r>
+            <a:br>
+              <a:rPr lang="en-US" dirty="0"/>
+            </a:br>
+            <a:r>
+              <a:rPr lang="en-US" dirty="0"/>
+              <a:t>1) Team Information</a:t>
+            </a:r>
+          </a:p>
+          <a:p>
+            <a:r>
+              <a:rPr lang="en-US" dirty="0"/>
+              <a:t>2) Team scoreboard (last 10 matches)</a:t>
+            </a:r>
+          </a:p>
+          <a:p>
+            <a:r>
+              <a:rPr lang="en-US" dirty="0"/>
+              <a:t>3) Team’s rank in all leagues</a:t>
+            </a:r>
+            <a:br>
+              <a:rPr lang="en-US" dirty="0"/>
+            </a:br>
+            <a:r>
+              <a:rPr lang="en-US" dirty="0"/>
+              <a:t>4) Team’s latest formation</a:t>
+            </a:r>
+          </a:p>
+          <a:p>
+            <a:r>
+              <a:rPr lang="en-US" dirty="0"/>
+              <a:t>5) Team’s players</a:t>
+            </a:r>
+          </a:p>
+          <a:p>
+            <a:r>
+              <a:rPr lang="en-US" dirty="0"/>
+              <a:t>------------------------------------------------</a:t>
+            </a:r>
+          </a:p>
+          <a:p>
+            <a:r>
+              <a:rPr lang="en-US" dirty="0"/>
+              <a:t>User</a:t>
+            </a:r>
+          </a:p>
+          <a:p>
+            <a:pPr marL="342900" indent="-342900">
+              <a:buAutoNum type="arabicParenR"/>
+            </a:pPr>
+            <a:r>
+              <a:rPr lang="en-US" dirty="0"/>
+              <a:t>Log-in, log-out</a:t>
+            </a:r>
+          </a:p>
+          <a:p>
+            <a:pPr marL="342900" indent="-342900">
+              <a:buAutoNum type="arabicParenR"/>
+            </a:pPr>
+            <a:r>
+              <a:rPr lang="en-US" dirty="0"/>
+              <a:t>Search for team / player</a:t>
+            </a:r>
+          </a:p>
+          <a:p>
+            <a:pPr marL="342900" indent="-342900">
+              <a:buAutoNum type="arabicParenR"/>
+            </a:pPr>
+            <a:r>
+              <a:rPr lang="en-US" dirty="0"/>
+              <a:t>Favorite list</a:t>
+            </a:r>
+          </a:p>
+          <a:p>
+            <a:pPr marL="342900" indent="-342900">
+              <a:buAutoNum type="arabicParenR"/>
+            </a:pPr>
+            <a:r>
+              <a:rPr lang="en-US" dirty="0"/>
+              <a:t>Admin role – Process team data</a:t>
+            </a:r>
+          </a:p>
+        </p:txBody>
+      </p:sp>
+    </p:spTree>
+    <p:extLst>
+      <p:ext uri="{BB962C8B-B14F-4D97-AF65-F5344CB8AC3E}">
+        <p14:creationId xmlns:p14="http://schemas.microsoft.com/office/powerpoint/2010/main" val="2616119615"/>
+      </p:ext>
+    </p:extLst>
+  </p:cSld>
+  <p:clrMapOvr>
+    <a:masterClrMapping/>
+  </p:clrMapOvr>
+</p:sld>
+</file>
+
+<file path=ppt/slides/slide14.xml><?xml version="1.0" encoding="utf-8"?>
+<p:sld xmlns:a="http://schemas.openxmlformats.org/drawingml/2006/main" xmlns:r="http://schemas.openxmlformats.org/officeDocument/2006/relationships" xmlns:p="http://schemas.openxmlformats.org/presentationml/2006/main">
+  <p:cSld>
+    <p:spTree>
+      <p:nvGrpSpPr>
+        <p:cNvPr id="1" name=""/>
+        <p:cNvGrpSpPr/>
+        <p:nvPr/>
+      </p:nvGrpSpPr>
+      <p:grpSpPr>
+        <a:xfrm>
+          <a:off x="0" y="0"/>
+          <a:ext cx="0" cy="0"/>
+          <a:chOff x="0" y="0"/>
+          <a:chExt cx="0" cy="0"/>
+        </a:xfrm>
+      </p:grpSpPr>
+      <p:sp>
+        <p:nvSpPr>
+          <p:cNvPr id="25" name="TextBox 24">
+            <a:extLst>
+              <a:ext uri="{FF2B5EF4-FFF2-40B4-BE49-F238E27FC236}">
+                <a16:creationId xmlns:a16="http://schemas.microsoft.com/office/drawing/2014/main" id="{9563777C-50DF-0242-6C13-00636780F3E2}"/>
+              </a:ext>
+            </a:extLst>
+          </p:cNvPr>
+          <p:cNvSpPr txBox="1"/>
+          <p:nvPr/>
+        </p:nvSpPr>
+        <p:spPr>
+          <a:xfrm>
+            <a:off x="0" y="0"/>
+            <a:ext cx="12192000" cy="369332"/>
+          </a:xfrm>
+          <a:prstGeom prst="rect">
+            <a:avLst/>
+          </a:prstGeom>
+          <a:noFill/>
+        </p:spPr>
+        <p:txBody>
+          <a:bodyPr wrap="square" rtlCol="0">
+            <a:spAutoFit/>
+          </a:bodyPr>
+          <a:lstStyle/>
+          <a:p>
+            <a:pPr algn="ctr"/>
+            <a:r>
+              <a:rPr lang="en-US" dirty="0"/>
+              <a:t>Project </a:t>
+            </a:r>
+            <a:r>
+              <a:rPr lang="en-US" dirty="0" err="1"/>
+              <a:t>Insiration</a:t>
+            </a:r>
+            <a:r>
+              <a:rPr lang="en-US" dirty="0"/>
+              <a:t> Design</a:t>
+            </a:r>
+          </a:p>
+        </p:txBody>
+      </p:sp>
+      <p:pic>
+        <p:nvPicPr>
+          <p:cNvPr id="5" name="Picture 4">
+            <a:extLst>
+              <a:ext uri="{FF2B5EF4-FFF2-40B4-BE49-F238E27FC236}">
+                <a16:creationId xmlns:a16="http://schemas.microsoft.com/office/drawing/2014/main" id="{FD893B56-5D65-5B0C-0575-6A3E5F9F1EE1}"/>
+              </a:ext>
+            </a:extLst>
+          </p:cNvPr>
+          <p:cNvPicPr>
+            <a:picLocks noChangeAspect="1"/>
+          </p:cNvPicPr>
+          <p:nvPr/>
+        </p:nvPicPr>
+        <p:blipFill>
+          <a:blip r:embed="rId2"/>
+          <a:stretch>
+            <a:fillRect/>
+          </a:stretch>
+        </p:blipFill>
+        <p:spPr>
+          <a:xfrm>
+            <a:off x="0" y="184666"/>
+            <a:ext cx="3286125" cy="3629025"/>
+          </a:xfrm>
+          <a:prstGeom prst="rect">
+            <a:avLst/>
+          </a:prstGeom>
+        </p:spPr>
+      </p:pic>
+      <p:pic>
+        <p:nvPicPr>
+          <p:cNvPr id="10" name="Picture 9">
+            <a:extLst>
+              <a:ext uri="{FF2B5EF4-FFF2-40B4-BE49-F238E27FC236}">
+                <a16:creationId xmlns:a16="http://schemas.microsoft.com/office/drawing/2014/main" id="{1F6A6521-7F51-CCEC-ED70-C834A5437DD1}"/>
+              </a:ext>
+            </a:extLst>
+          </p:cNvPr>
+          <p:cNvPicPr>
+            <a:picLocks noChangeAspect="1"/>
+          </p:cNvPicPr>
+          <p:nvPr/>
+        </p:nvPicPr>
+        <p:blipFill>
+          <a:blip r:embed="rId3"/>
+          <a:stretch>
+            <a:fillRect/>
+          </a:stretch>
+        </p:blipFill>
+        <p:spPr>
+          <a:xfrm>
+            <a:off x="3657958" y="598372"/>
+            <a:ext cx="5067300" cy="2371725"/>
+          </a:xfrm>
+          <a:prstGeom prst="rect">
+            <a:avLst/>
+          </a:prstGeom>
+        </p:spPr>
+      </p:pic>
+      <p:pic>
+        <p:nvPicPr>
+          <p:cNvPr id="12" name="Picture 11">
+            <a:extLst>
+              <a:ext uri="{FF2B5EF4-FFF2-40B4-BE49-F238E27FC236}">
+                <a16:creationId xmlns:a16="http://schemas.microsoft.com/office/drawing/2014/main" id="{90B371DA-1447-1883-1695-A4020D159751}"/>
+              </a:ext>
+            </a:extLst>
+          </p:cNvPr>
+          <p:cNvPicPr>
+            <a:picLocks noChangeAspect="1"/>
+          </p:cNvPicPr>
+          <p:nvPr/>
+        </p:nvPicPr>
+        <p:blipFill>
+          <a:blip r:embed="rId4"/>
+          <a:stretch>
+            <a:fillRect/>
+          </a:stretch>
+        </p:blipFill>
+        <p:spPr>
+          <a:xfrm>
+            <a:off x="9097091" y="104833"/>
+            <a:ext cx="2902622" cy="4964484"/>
+          </a:xfrm>
+          <a:prstGeom prst="rect">
+            <a:avLst/>
+          </a:prstGeom>
+        </p:spPr>
+      </p:pic>
+      <p:pic>
+        <p:nvPicPr>
+          <p:cNvPr id="14" name="Picture 13">
+            <a:extLst>
+              <a:ext uri="{FF2B5EF4-FFF2-40B4-BE49-F238E27FC236}">
+                <a16:creationId xmlns:a16="http://schemas.microsoft.com/office/drawing/2014/main" id="{73650815-9346-D5E5-853E-4142D48F3E5D}"/>
+              </a:ext>
+            </a:extLst>
+          </p:cNvPr>
+          <p:cNvPicPr>
+            <a:picLocks noChangeAspect="1"/>
+          </p:cNvPicPr>
+          <p:nvPr/>
+        </p:nvPicPr>
+        <p:blipFill>
+          <a:blip r:embed="rId5"/>
+          <a:stretch>
+            <a:fillRect/>
+          </a:stretch>
+        </p:blipFill>
+        <p:spPr>
+          <a:xfrm>
+            <a:off x="-258618" y="5078797"/>
+            <a:ext cx="12192000" cy="1689768"/>
+          </a:xfrm>
+          <a:prstGeom prst="rect">
+            <a:avLst/>
+          </a:prstGeom>
+        </p:spPr>
+      </p:pic>
+    </p:spTree>
+    <p:extLst>
+      <p:ext uri="{BB962C8B-B14F-4D97-AF65-F5344CB8AC3E}">
+        <p14:creationId xmlns:p14="http://schemas.microsoft.com/office/powerpoint/2010/main" val="3828681011"/>
+      </p:ext>
+    </p:extLst>
+  </p:cSld>
+  <p:clrMapOvr>
+    <a:masterClrMapping/>
+  </p:clrMapOvr>
+</p:sld>
+</file>
+
+<file path=ppt/slides/slide15.xml><?xml version="1.0" encoding="utf-8"?>
+<p:sld xmlns:a="http://schemas.openxmlformats.org/drawingml/2006/main" xmlns:r="http://schemas.openxmlformats.org/officeDocument/2006/relationships" xmlns:p="http://schemas.openxmlformats.org/presentationml/2006/main">
+  <p:cSld>
+    <p:spTree>
+      <p:nvGrpSpPr>
+        <p:cNvPr id="1" name=""/>
+        <p:cNvGrpSpPr/>
+        <p:nvPr/>
+      </p:nvGrpSpPr>
+      <p:grpSpPr>
+        <a:xfrm>
+          <a:off x="0" y="0"/>
+          <a:ext cx="0" cy="0"/>
+          <a:chOff x="0" y="0"/>
+          <a:chExt cx="0" cy="0"/>
+        </a:xfrm>
+      </p:grpSpPr>
+      <p:pic>
+        <p:nvPicPr>
+          <p:cNvPr id="5" name="Picture 4">
+            <a:extLst>
+              <a:ext uri="{FF2B5EF4-FFF2-40B4-BE49-F238E27FC236}">
+                <a16:creationId xmlns:a16="http://schemas.microsoft.com/office/drawing/2014/main" id="{2959DEC3-267D-022B-EDCB-A217ACB3C6E3}"/>
+              </a:ext>
+            </a:extLst>
+          </p:cNvPr>
+          <p:cNvPicPr>
+            <a:picLocks noChangeAspect="1"/>
+          </p:cNvPicPr>
+          <p:nvPr/>
+        </p:nvPicPr>
+        <p:blipFill>
+          <a:blip r:embed="rId2"/>
+          <a:stretch>
+            <a:fillRect/>
+          </a:stretch>
+        </p:blipFill>
+        <p:spPr>
+          <a:xfrm>
+            <a:off x="6986954" y="0"/>
+            <a:ext cx="5205046" cy="6858000"/>
+          </a:xfrm>
+          <a:prstGeom prst="rect">
+            <a:avLst/>
+          </a:prstGeom>
+        </p:spPr>
+      </p:pic>
+      <p:pic>
+        <p:nvPicPr>
+          <p:cNvPr id="1026" name="Picture 2" descr="Team Management Trouble : r/EASportsFC">
+            <a:extLst>
+              <a:ext uri="{FF2B5EF4-FFF2-40B4-BE49-F238E27FC236}">
+                <a16:creationId xmlns:a16="http://schemas.microsoft.com/office/drawing/2014/main" id="{48B533DB-2FF7-2F42-2F45-CF8AA05B14AC}"/>
+              </a:ext>
+            </a:extLst>
+          </p:cNvPr>
+          <p:cNvPicPr>
+            <a:picLocks noChangeAspect="1" noChangeArrowheads="1"/>
+          </p:cNvPicPr>
+          <p:nvPr/>
+        </p:nvPicPr>
+        <p:blipFill>
+          <a:blip r:embed="rId3">
+            <a:extLst>
+              <a:ext uri="{28A0092B-C50C-407E-A947-70E740481C1C}">
+                <a14:useLocalDpi xmlns:a14="http://schemas.microsoft.com/office/drawing/2010/main" val="0"/>
+              </a:ext>
+            </a:extLst>
+          </a:blip>
+          <a:srcRect/>
+          <a:stretch>
+            <a:fillRect/>
+          </a:stretch>
+        </p:blipFill>
+        <p:spPr bwMode="auto">
+          <a:xfrm>
+            <a:off x="526472" y="1215448"/>
+            <a:ext cx="6096000" cy="4057650"/>
+          </a:xfrm>
+          <a:prstGeom prst="rect">
+            <a:avLst/>
+          </a:prstGeom>
+          <a:noFill/>
+          <a:extLst>
+            <a:ext uri="{909E8E84-426E-40DD-AFC4-6F175D3DCCD1}">
+              <a14:hiddenFill xmlns:a14="http://schemas.microsoft.com/office/drawing/2010/main">
+                <a:solidFill>
+                  <a:srgbClr val="FFFFFF"/>
+                </a:solidFill>
+              </a14:hiddenFill>
+            </a:ext>
+          </a:extLst>
+        </p:spPr>
+      </p:pic>
+    </p:spTree>
+    <p:extLst>
+      <p:ext uri="{BB962C8B-B14F-4D97-AF65-F5344CB8AC3E}">
+        <p14:creationId xmlns:p14="http://schemas.microsoft.com/office/powerpoint/2010/main" val="796703976"/>
+      </p:ext>
+    </p:extLst>
+  </p:cSld>
+  <p:clrMapOvr>
+    <a:masterClrMapping/>
+  </p:clrMapOvr>
+</p:sld>
+</file>
+
 <file path=ppt/slides/slide2.xml><?xml version="1.0" encoding="utf-8"?>
+<p:sld xmlns:a="http://schemas.openxmlformats.org/drawingml/2006/main" xmlns:r="http://schemas.openxmlformats.org/officeDocument/2006/relationships" xmlns:p="http://schemas.openxmlformats.org/presentationml/2006/main">
+  <p:cSld>
+    <p:spTree>
+      <p:nvGrpSpPr>
+        <p:cNvPr id="1" name=""/>
+        <p:cNvGrpSpPr/>
+        <p:nvPr/>
+      </p:nvGrpSpPr>
+      <p:grpSpPr>
+        <a:xfrm>
+          <a:off x="0" y="0"/>
+          <a:ext cx="0" cy="0"/>
+          <a:chOff x="0" y="0"/>
+          <a:chExt cx="0" cy="0"/>
+        </a:xfrm>
+      </p:grpSpPr>
+    </p:spTree>
+    <p:extLst>
+      <p:ext uri="{BB962C8B-B14F-4D97-AF65-F5344CB8AC3E}">
+        <p14:creationId xmlns:p14="http://schemas.microsoft.com/office/powerpoint/2010/main" val="1124065533"/>
+      </p:ext>
+    </p:extLst>
+  </p:cSld>
+  <p:clrMapOvr>
+    <a:masterClrMapping/>
+  </p:clrMapOvr>
+</p:sld>
+</file>
+
+<file path=ppt/slides/slide3.xml><?xml version="1.0" encoding="utf-8"?>
 <p:sld xmlns:a="http://schemas.openxmlformats.org/drawingml/2006/main" xmlns:r="http://schemas.openxmlformats.org/officeDocument/2006/relationships" xmlns:p="http://schemas.openxmlformats.org/presentationml/2006/main">
   <p:cSld>
     <p:spTree>
@@ -9563,9 +10575,17 @@
 </p:sld>
 </file>
 
-<file path=ppt/slides/slide3.xml><?xml version="1.0" encoding="utf-8"?>
+<file path=ppt/slides/slide4.xml><?xml version="1.0" encoding="utf-8"?>
 <p:sld xmlns:a="http://schemas.openxmlformats.org/drawingml/2006/main" xmlns:r="http://schemas.openxmlformats.org/officeDocument/2006/relationships" xmlns:p="http://schemas.openxmlformats.org/presentationml/2006/main">
   <p:cSld>
+    <p:bg>
+      <p:bgPr>
+        <a:solidFill>
+          <a:schemeClr val="bg1"/>
+        </a:solidFill>
+        <a:effectLst/>
+      </p:bgPr>
+    </p:bg>
     <p:spTree>
       <p:nvGrpSpPr>
         <p:cNvPr id="1" name=""/>
@@ -9580,397 +10600,12 @@
           <a:chExt cx="0" cy="0"/>
         </a:xfrm>
       </p:grpSpPr>
-      <p:sp>
-        <p:nvSpPr>
-          <p:cNvPr id="2" name="Title 1">
-            <a:extLst>
-              <a:ext uri="{FF2B5EF4-FFF2-40B4-BE49-F238E27FC236}">
-                <a16:creationId xmlns:a16="http://schemas.microsoft.com/office/drawing/2014/main" id="{5410BF5C-B124-BD5B-23B6-A4DD26519404}"/>
-              </a:ext>
-            </a:extLst>
-          </p:cNvPr>
-          <p:cNvSpPr>
-            <a:spLocks noGrp="1"/>
-          </p:cNvSpPr>
-          <p:nvPr>
-            <p:ph type="title"/>
-          </p:nvPr>
-        </p:nvSpPr>
-        <p:spPr>
-          <a:xfrm>
-            <a:off x="6956278" y="867880"/>
-            <a:ext cx="4329156" cy="235239"/>
-          </a:xfrm>
-        </p:spPr>
-        <p:txBody>
-          <a:bodyPr>
-            <a:noAutofit/>
-          </a:bodyPr>
-          <a:lstStyle/>
-          <a:p>
-            <a:pPr algn="ctr"/>
-            <a:r>
-              <a:rPr lang="en-US" sz="2000" dirty="0"/>
-              <a:t>Application Logo</a:t>
-            </a:r>
-          </a:p>
-        </p:txBody>
-      </p:sp>
       <p:pic>
         <p:nvPicPr>
-          <p:cNvPr id="4" name="Picture 3" descr="A cartoon of a skull with horns&#10;&#10;Description automatically generated">
-            <a:extLst>
-              <a:ext uri="{FF2B5EF4-FFF2-40B4-BE49-F238E27FC236}">
-                <a16:creationId xmlns:a16="http://schemas.microsoft.com/office/drawing/2014/main" id="{679A8DD6-14A9-ABE0-8793-E3EF881D536E}"/>
-              </a:ext>
-            </a:extLst>
-          </p:cNvPr>
-          <p:cNvPicPr>
-            <a:picLocks noChangeAspect="1"/>
-          </p:cNvPicPr>
-          <p:nvPr/>
-        </p:nvPicPr>
-        <p:blipFill>
-          <a:blip r:embed="rId2">
-            <a:extLst>
-              <a:ext uri="{28A0092B-C50C-407E-A947-70E740481C1C}">
-                <a14:useLocalDpi xmlns:a14="http://schemas.microsoft.com/office/drawing/2010/main" val="0"/>
-              </a:ext>
-            </a:extLst>
-          </a:blip>
-          <a:stretch>
-            <a:fillRect/>
-          </a:stretch>
-        </p:blipFill>
-        <p:spPr>
-          <a:xfrm>
-            <a:off x="8725257" y="1103119"/>
-            <a:ext cx="2039240" cy="2039240"/>
-          </a:xfrm>
-          <a:prstGeom prst="rect">
-            <a:avLst/>
-          </a:prstGeom>
-        </p:spPr>
-      </p:pic>
-      <p:pic>
-        <p:nvPicPr>
-          <p:cNvPr id="8" name="Picture 7" descr="A cartoon of a person&#10;&#10;Description automatically generated">
-            <a:extLst>
-              <a:ext uri="{FF2B5EF4-FFF2-40B4-BE49-F238E27FC236}">
-                <a16:creationId xmlns:a16="http://schemas.microsoft.com/office/drawing/2014/main" id="{FCB0BC84-486F-612D-B627-05FE9ECF34F2}"/>
-              </a:ext>
-            </a:extLst>
-          </p:cNvPr>
-          <p:cNvPicPr>
-            <a:picLocks noChangeAspect="1"/>
-          </p:cNvPicPr>
-          <p:nvPr/>
-        </p:nvPicPr>
-        <p:blipFill>
-          <a:blip r:embed="rId3">
-            <a:extLst>
-              <a:ext uri="{28A0092B-C50C-407E-A947-70E740481C1C}">
-                <a14:useLocalDpi xmlns:a14="http://schemas.microsoft.com/office/drawing/2010/main" val="0"/>
-              </a:ext>
-            </a:extLst>
-          </a:blip>
-          <a:stretch>
-            <a:fillRect/>
-          </a:stretch>
-        </p:blipFill>
-        <p:spPr>
-          <a:xfrm>
-            <a:off x="7024644" y="1272433"/>
-            <a:ext cx="1700613" cy="1700613"/>
-          </a:xfrm>
-          <a:prstGeom prst="rect">
-            <a:avLst/>
-          </a:prstGeom>
-        </p:spPr>
-      </p:pic>
-      <p:sp>
-        <p:nvSpPr>
-          <p:cNvPr id="25" name="TextBox 24">
-            <a:extLst>
-              <a:ext uri="{FF2B5EF4-FFF2-40B4-BE49-F238E27FC236}">
-                <a16:creationId xmlns:a16="http://schemas.microsoft.com/office/drawing/2014/main" id="{9563777C-50DF-0242-6C13-00636780F3E2}"/>
-              </a:ext>
-            </a:extLst>
-          </p:cNvPr>
-          <p:cNvSpPr txBox="1"/>
-          <p:nvPr/>
-        </p:nvSpPr>
-        <p:spPr>
-          <a:xfrm>
-            <a:off x="0" y="0"/>
-            <a:ext cx="12192000" cy="369332"/>
-          </a:xfrm>
-          <a:prstGeom prst="rect">
-            <a:avLst/>
-          </a:prstGeom>
-          <a:noFill/>
-        </p:spPr>
-        <p:txBody>
-          <a:bodyPr wrap="square" rtlCol="0">
-            <a:spAutoFit/>
-          </a:bodyPr>
-          <a:lstStyle/>
-          <a:p>
-            <a:pPr algn="ctr"/>
-            <a:r>
-              <a:rPr lang="en-US" dirty="0"/>
-              <a:t>Project Core Elements</a:t>
-            </a:r>
-          </a:p>
-        </p:txBody>
-      </p:sp>
-      <p:sp>
-        <p:nvSpPr>
-          <p:cNvPr id="26" name="TextBox 25">
-            <a:extLst>
-              <a:ext uri="{FF2B5EF4-FFF2-40B4-BE49-F238E27FC236}">
-                <a16:creationId xmlns:a16="http://schemas.microsoft.com/office/drawing/2014/main" id="{2BC93C69-DD1E-E448-2F91-721D36FA4223}"/>
-              </a:ext>
-            </a:extLst>
-          </p:cNvPr>
-          <p:cNvSpPr txBox="1"/>
-          <p:nvPr/>
-        </p:nvSpPr>
-        <p:spPr>
-          <a:xfrm>
-            <a:off x="470019" y="1034041"/>
-            <a:ext cx="4447019" cy="646331"/>
-          </a:xfrm>
-          <a:prstGeom prst="rect">
-            <a:avLst/>
-          </a:prstGeom>
-          <a:noFill/>
-        </p:spPr>
-        <p:txBody>
-          <a:bodyPr wrap="square" rtlCol="0">
-            <a:spAutoFit/>
-          </a:bodyPr>
-          <a:lstStyle/>
-          <a:p>
-            <a:r>
-              <a:rPr lang="en-US" dirty="0"/>
-              <a:t>Name : </a:t>
-            </a:r>
-            <a:r>
-              <a:rPr lang="en-US" dirty="0" err="1"/>
-              <a:t>Hools</a:t>
-            </a:r>
-            <a:br>
-              <a:rPr lang="en-US" dirty="0"/>
-            </a:br>
-            <a:r>
-              <a:rPr lang="en-US" dirty="0"/>
-              <a:t>Ideal webserver name : www.hools.gr</a:t>
-            </a:r>
-          </a:p>
-        </p:txBody>
-      </p:sp>
-      <p:sp>
-        <p:nvSpPr>
-          <p:cNvPr id="27" name="TextBox 26">
-            <a:extLst>
-              <a:ext uri="{FF2B5EF4-FFF2-40B4-BE49-F238E27FC236}">
-                <a16:creationId xmlns:a16="http://schemas.microsoft.com/office/drawing/2014/main" id="{2E288288-53A3-CE5A-D3CB-E1ACDC52FD3B}"/>
-              </a:ext>
-            </a:extLst>
-          </p:cNvPr>
-          <p:cNvSpPr txBox="1"/>
-          <p:nvPr/>
-        </p:nvSpPr>
-        <p:spPr>
-          <a:xfrm>
-            <a:off x="538384" y="2344191"/>
-            <a:ext cx="4310287" cy="3693319"/>
-          </a:xfrm>
-          <a:prstGeom prst="rect">
-            <a:avLst/>
-          </a:prstGeom>
-          <a:noFill/>
-        </p:spPr>
-        <p:txBody>
-          <a:bodyPr wrap="square" rtlCol="0">
-            <a:spAutoFit/>
-          </a:bodyPr>
-          <a:lstStyle/>
-          <a:p>
-            <a:r>
-              <a:rPr lang="en-US" dirty="0"/>
-              <a:t>Key Functions : </a:t>
-            </a:r>
-          </a:p>
-          <a:p>
-            <a:r>
-              <a:rPr lang="en-US" dirty="0"/>
-              <a:t>Teams</a:t>
-            </a:r>
-            <a:br>
-              <a:rPr lang="en-US" dirty="0"/>
-            </a:br>
-            <a:r>
-              <a:rPr lang="en-US" dirty="0"/>
-              <a:t>1) Team Information</a:t>
-            </a:r>
-          </a:p>
-          <a:p>
-            <a:r>
-              <a:rPr lang="en-US" dirty="0"/>
-              <a:t>2) Team scoreboard (last 10 matches)</a:t>
-            </a:r>
-          </a:p>
-          <a:p>
-            <a:r>
-              <a:rPr lang="en-US" dirty="0"/>
-              <a:t>3) Team’s rank in all leagues</a:t>
-            </a:r>
-            <a:br>
-              <a:rPr lang="en-US" dirty="0"/>
-            </a:br>
-            <a:r>
-              <a:rPr lang="en-US" dirty="0"/>
-              <a:t>4) Team’s latest formation</a:t>
-            </a:r>
-          </a:p>
-          <a:p>
-            <a:r>
-              <a:rPr lang="en-US" dirty="0"/>
-              <a:t>5) Team’s players</a:t>
-            </a:r>
-          </a:p>
-          <a:p>
-            <a:r>
-              <a:rPr lang="en-US" dirty="0"/>
-              <a:t>------------------------------------------------</a:t>
-            </a:r>
-          </a:p>
-          <a:p>
-            <a:r>
-              <a:rPr lang="en-US" dirty="0"/>
-              <a:t>User</a:t>
-            </a:r>
-          </a:p>
-          <a:p>
-            <a:pPr marL="342900" indent="-342900">
-              <a:buAutoNum type="arabicParenR"/>
-            </a:pPr>
-            <a:r>
-              <a:rPr lang="en-US" dirty="0"/>
-              <a:t>Log-in, log-out</a:t>
-            </a:r>
-          </a:p>
-          <a:p>
-            <a:pPr marL="342900" indent="-342900">
-              <a:buAutoNum type="arabicParenR"/>
-            </a:pPr>
-            <a:r>
-              <a:rPr lang="en-US" dirty="0"/>
-              <a:t>Search for team / player</a:t>
-            </a:r>
-          </a:p>
-          <a:p>
-            <a:pPr marL="342900" indent="-342900">
-              <a:buAutoNum type="arabicParenR"/>
-            </a:pPr>
-            <a:r>
-              <a:rPr lang="en-US" dirty="0"/>
-              <a:t>Favorite list</a:t>
-            </a:r>
-          </a:p>
-          <a:p>
-            <a:pPr marL="342900" indent="-342900">
-              <a:buAutoNum type="arabicParenR"/>
-            </a:pPr>
-            <a:r>
-              <a:rPr lang="en-US" dirty="0"/>
-              <a:t>Admin role – Process team data</a:t>
-            </a:r>
-          </a:p>
-        </p:txBody>
-      </p:sp>
-    </p:spTree>
-    <p:extLst>
-      <p:ext uri="{BB962C8B-B14F-4D97-AF65-F5344CB8AC3E}">
-        <p14:creationId xmlns:p14="http://schemas.microsoft.com/office/powerpoint/2010/main" val="2616119615"/>
-      </p:ext>
-    </p:extLst>
-  </p:cSld>
-  <p:clrMapOvr>
-    <a:masterClrMapping/>
-  </p:clrMapOvr>
-</p:sld>
-</file>
-
-<file path=ppt/slides/slide4.xml><?xml version="1.0" encoding="utf-8"?>
-<p:sld xmlns:a="http://schemas.openxmlformats.org/drawingml/2006/main" xmlns:r="http://schemas.openxmlformats.org/officeDocument/2006/relationships" xmlns:p="http://schemas.openxmlformats.org/presentationml/2006/main">
-  <p:cSld>
-    <p:spTree>
-      <p:nvGrpSpPr>
-        <p:cNvPr id="1" name=""/>
-        <p:cNvGrpSpPr/>
-        <p:nvPr/>
-      </p:nvGrpSpPr>
-      <p:grpSpPr>
-        <a:xfrm>
-          <a:off x="0" y="0"/>
-          <a:ext cx="0" cy="0"/>
-          <a:chOff x="0" y="0"/>
-          <a:chExt cx="0" cy="0"/>
-        </a:xfrm>
-      </p:grpSpPr>
-      <p:sp>
-        <p:nvSpPr>
-          <p:cNvPr id="25" name="TextBox 24">
-            <a:extLst>
-              <a:ext uri="{FF2B5EF4-FFF2-40B4-BE49-F238E27FC236}">
-                <a16:creationId xmlns:a16="http://schemas.microsoft.com/office/drawing/2014/main" id="{9563777C-50DF-0242-6C13-00636780F3E2}"/>
-              </a:ext>
-            </a:extLst>
-          </p:cNvPr>
-          <p:cNvSpPr txBox="1"/>
-          <p:nvPr/>
-        </p:nvSpPr>
-        <p:spPr>
-          <a:xfrm>
-            <a:off x="0" y="0"/>
-            <a:ext cx="12192000" cy="369332"/>
-          </a:xfrm>
-          <a:prstGeom prst="rect">
-            <a:avLst/>
-          </a:prstGeom>
-          <a:noFill/>
-        </p:spPr>
-        <p:txBody>
-          <a:bodyPr wrap="square" rtlCol="0">
-            <a:spAutoFit/>
-          </a:bodyPr>
-          <a:lstStyle/>
-          <a:p>
-            <a:pPr algn="ctr"/>
-            <a:r>
-              <a:rPr lang="en-US" dirty="0"/>
-              <a:t>Project </a:t>
-            </a:r>
-            <a:r>
-              <a:rPr lang="en-US" dirty="0" err="1"/>
-              <a:t>Insiration</a:t>
-            </a:r>
-            <a:r>
-              <a:rPr lang="en-US" dirty="0"/>
-              <a:t> Design</a:t>
-            </a:r>
-          </a:p>
-        </p:txBody>
-      </p:sp>
-      <p:pic>
-        <p:nvPicPr>
-          <p:cNvPr id="5" name="Picture 4">
-            <a:extLst>
-              <a:ext uri="{FF2B5EF4-FFF2-40B4-BE49-F238E27FC236}">
-                <a16:creationId xmlns:a16="http://schemas.microsoft.com/office/drawing/2014/main" id="{FD893B56-5D65-5B0C-0575-6A3E5F9F1EE1}"/>
+          <p:cNvPr id="9" name="Picture 8">
+            <a:extLst>
+              <a:ext uri="{FF2B5EF4-FFF2-40B4-BE49-F238E27FC236}">
+                <a16:creationId xmlns:a16="http://schemas.microsoft.com/office/drawing/2014/main" id="{18288AB4-317A-DE1E-34DD-107AD7AA8B7E}"/>
               </a:ext>
             </a:extLst>
           </p:cNvPr>
@@ -9987,98 +10622,8 @@
         </p:blipFill>
         <p:spPr>
           <a:xfrm>
-            <a:off x="0" y="184666"/>
-            <a:ext cx="3286125" cy="3629025"/>
-          </a:xfrm>
-          <a:prstGeom prst="rect">
-            <a:avLst/>
-          </a:prstGeom>
-        </p:spPr>
-      </p:pic>
-      <p:pic>
-        <p:nvPicPr>
-          <p:cNvPr id="10" name="Picture 9">
-            <a:extLst>
-              <a:ext uri="{FF2B5EF4-FFF2-40B4-BE49-F238E27FC236}">
-                <a16:creationId xmlns:a16="http://schemas.microsoft.com/office/drawing/2014/main" id="{1F6A6521-7F51-CCEC-ED70-C834A5437DD1}"/>
-              </a:ext>
-            </a:extLst>
-          </p:cNvPr>
-          <p:cNvPicPr>
-            <a:picLocks noChangeAspect="1"/>
-          </p:cNvPicPr>
-          <p:nvPr/>
-        </p:nvPicPr>
-        <p:blipFill>
-          <a:blip r:embed="rId3"/>
-          <a:stretch>
-            <a:fillRect/>
-          </a:stretch>
-        </p:blipFill>
-        <p:spPr>
-          <a:xfrm>
-            <a:off x="3657958" y="598372"/>
-            <a:ext cx="5067300" cy="2371725"/>
-          </a:xfrm>
-          <a:prstGeom prst="rect">
-            <a:avLst/>
-          </a:prstGeom>
-        </p:spPr>
-      </p:pic>
-      <p:pic>
-        <p:nvPicPr>
-          <p:cNvPr id="12" name="Picture 11">
-            <a:extLst>
-              <a:ext uri="{FF2B5EF4-FFF2-40B4-BE49-F238E27FC236}">
-                <a16:creationId xmlns:a16="http://schemas.microsoft.com/office/drawing/2014/main" id="{90B371DA-1447-1883-1695-A4020D159751}"/>
-              </a:ext>
-            </a:extLst>
-          </p:cNvPr>
-          <p:cNvPicPr>
-            <a:picLocks noChangeAspect="1"/>
-          </p:cNvPicPr>
-          <p:nvPr/>
-        </p:nvPicPr>
-        <p:blipFill>
-          <a:blip r:embed="rId4"/>
-          <a:stretch>
-            <a:fillRect/>
-          </a:stretch>
-        </p:blipFill>
-        <p:spPr>
-          <a:xfrm>
-            <a:off x="9097091" y="104833"/>
-            <a:ext cx="2902622" cy="4964484"/>
-          </a:xfrm>
-          <a:prstGeom prst="rect">
-            <a:avLst/>
-          </a:prstGeom>
-        </p:spPr>
-      </p:pic>
-      <p:pic>
-        <p:nvPicPr>
-          <p:cNvPr id="14" name="Picture 13">
-            <a:extLst>
-              <a:ext uri="{FF2B5EF4-FFF2-40B4-BE49-F238E27FC236}">
-                <a16:creationId xmlns:a16="http://schemas.microsoft.com/office/drawing/2014/main" id="{73650815-9346-D5E5-853E-4142D48F3E5D}"/>
-              </a:ext>
-            </a:extLst>
-          </p:cNvPr>
-          <p:cNvPicPr>
-            <a:picLocks noChangeAspect="1"/>
-          </p:cNvPicPr>
-          <p:nvPr/>
-        </p:nvPicPr>
-        <p:blipFill>
-          <a:blip r:embed="rId5"/>
-          <a:stretch>
-            <a:fillRect/>
-          </a:stretch>
-        </p:blipFill>
-        <p:spPr>
-          <a:xfrm>
-            <a:off x="-258618" y="5078797"/>
-            <a:ext cx="12192000" cy="1689768"/>
+            <a:off x="1283836" y="0"/>
+            <a:ext cx="9624327" cy="6858000"/>
           </a:xfrm>
           <a:prstGeom prst="rect">
             <a:avLst/>
@@ -10088,7 +10633,7 @@
     </p:spTree>
     <p:extLst>
       <p:ext uri="{BB962C8B-B14F-4D97-AF65-F5344CB8AC3E}">
-        <p14:creationId xmlns:p14="http://schemas.microsoft.com/office/powerpoint/2010/main" val="3828681011"/>
+        <p14:creationId xmlns:p14="http://schemas.microsoft.com/office/powerpoint/2010/main" val="1229783417"/>
       </p:ext>
     </p:extLst>
   </p:cSld>
@@ -10120,7 +10665,7 @@
           <p:cNvPr id="5" name="Picture 4">
             <a:extLst>
               <a:ext uri="{FF2B5EF4-FFF2-40B4-BE49-F238E27FC236}">
-                <a16:creationId xmlns:a16="http://schemas.microsoft.com/office/drawing/2014/main" id="{2959DEC3-267D-022B-EDCB-A217ACB3C6E3}"/>
+                <a16:creationId xmlns:a16="http://schemas.microsoft.com/office/drawing/2014/main" id="{264B7A95-55C5-C4F2-6ED3-C8C743490791}"/>
               </a:ext>
             </a:extLst>
           </p:cNvPr>
@@ -10137,65 +10682,358 @@
         </p:blipFill>
         <p:spPr>
           <a:xfrm>
-            <a:off x="6986954" y="0"/>
-            <a:ext cx="5205046" cy="6858000"/>
+            <a:off x="1508439" y="0"/>
+            <a:ext cx="9175121" cy="6858000"/>
           </a:xfrm>
           <a:prstGeom prst="rect">
             <a:avLst/>
           </a:prstGeom>
         </p:spPr>
       </p:pic>
+    </p:spTree>
+    <p:extLst>
+      <p:ext uri="{BB962C8B-B14F-4D97-AF65-F5344CB8AC3E}">
+        <p14:creationId xmlns:p14="http://schemas.microsoft.com/office/powerpoint/2010/main" val="1176045686"/>
+      </p:ext>
+    </p:extLst>
+  </p:cSld>
+  <p:clrMapOvr>
+    <a:masterClrMapping/>
+  </p:clrMapOvr>
+</p:sld>
+</file>
+
+<file path=ppt/slides/slide6.xml><?xml version="1.0" encoding="utf-8"?>
+<p:sld xmlns:a="http://schemas.openxmlformats.org/drawingml/2006/main" xmlns:r="http://schemas.openxmlformats.org/officeDocument/2006/relationships" xmlns:p="http://schemas.openxmlformats.org/presentationml/2006/main">
+  <p:cSld>
+    <p:spTree>
+      <p:nvGrpSpPr>
+        <p:cNvPr id="1" name=""/>
+        <p:cNvGrpSpPr/>
+        <p:nvPr/>
+      </p:nvGrpSpPr>
+      <p:grpSpPr>
+        <a:xfrm>
+          <a:off x="0" y="0"/>
+          <a:ext cx="0" cy="0"/>
+          <a:chOff x="0" y="0"/>
+          <a:chExt cx="0" cy="0"/>
+        </a:xfrm>
+      </p:grpSpPr>
       <p:pic>
         <p:nvPicPr>
-          <p:cNvPr id="1026" name="Picture 2" descr="Team Management Trouble : r/EASportsFC">
-            <a:extLst>
-              <a:ext uri="{FF2B5EF4-FFF2-40B4-BE49-F238E27FC236}">
-                <a16:creationId xmlns:a16="http://schemas.microsoft.com/office/drawing/2014/main" id="{48B533DB-2FF7-2F42-2F45-CF8AA05B14AC}"/>
+          <p:cNvPr id="5" name="Picture 4">
+            <a:extLst>
+              <a:ext uri="{FF2B5EF4-FFF2-40B4-BE49-F238E27FC236}">
+                <a16:creationId xmlns:a16="http://schemas.microsoft.com/office/drawing/2014/main" id="{EA45971D-2F51-2078-E667-D8BB3CDBCFAA}"/>
               </a:ext>
             </a:extLst>
           </p:cNvPr>
           <p:cNvPicPr>
-            <a:picLocks noChangeAspect="1" noChangeArrowheads="1"/>
+            <a:picLocks noChangeAspect="1"/>
           </p:cNvPicPr>
           <p:nvPr/>
         </p:nvPicPr>
         <p:blipFill>
-          <a:blip r:embed="rId3">
-            <a:extLst>
-              <a:ext uri="{28A0092B-C50C-407E-A947-70E740481C1C}">
-                <a14:useLocalDpi xmlns:a14="http://schemas.microsoft.com/office/drawing/2010/main" val="0"/>
-              </a:ext>
-            </a:extLst>
-          </a:blip>
-          <a:srcRect/>
+          <a:blip r:embed="rId2"/>
           <a:stretch>
             <a:fillRect/>
           </a:stretch>
         </p:blipFill>
-        <p:spPr bwMode="auto">
+        <p:spPr>
           <a:xfrm>
-            <a:off x="526472" y="1215448"/>
-            <a:ext cx="6096000" cy="4057650"/>
+            <a:off x="0" y="0"/>
+            <a:ext cx="9893808" cy="6858000"/>
           </a:xfrm>
           <a:prstGeom prst="rect">
             <a:avLst/>
           </a:prstGeom>
-          <a:noFill/>
-          <a:extLst>
-            <a:ext uri="{909E8E84-426E-40DD-AFC4-6F175D3DCCD1}">
-              <a14:hiddenFill xmlns:a14="http://schemas.microsoft.com/office/drawing/2010/main">
-                <a:solidFill>
-                  <a:srgbClr val="FFFFFF"/>
-                </a:solidFill>
-              </a14:hiddenFill>
-            </a:ext>
-          </a:extLst>
         </p:spPr>
       </p:pic>
     </p:spTree>
     <p:extLst>
       <p:ext uri="{BB962C8B-B14F-4D97-AF65-F5344CB8AC3E}">
-        <p14:creationId xmlns:p14="http://schemas.microsoft.com/office/powerpoint/2010/main" val="796703976"/>
+        <p14:creationId xmlns:p14="http://schemas.microsoft.com/office/powerpoint/2010/main" val="2378861818"/>
+      </p:ext>
+    </p:extLst>
+  </p:cSld>
+  <p:clrMapOvr>
+    <a:masterClrMapping/>
+  </p:clrMapOvr>
+</p:sld>
+</file>
+
+<file path=ppt/slides/slide7.xml><?xml version="1.0" encoding="utf-8"?>
+<p:sld xmlns:a="http://schemas.openxmlformats.org/drawingml/2006/main" xmlns:r="http://schemas.openxmlformats.org/officeDocument/2006/relationships" xmlns:p="http://schemas.openxmlformats.org/presentationml/2006/main">
+  <p:cSld>
+    <p:spTree>
+      <p:nvGrpSpPr>
+        <p:cNvPr id="1" name=""/>
+        <p:cNvGrpSpPr/>
+        <p:nvPr/>
+      </p:nvGrpSpPr>
+      <p:grpSpPr>
+        <a:xfrm>
+          <a:off x="0" y="0"/>
+          <a:ext cx="0" cy="0"/>
+          <a:chOff x="0" y="0"/>
+          <a:chExt cx="0" cy="0"/>
+        </a:xfrm>
+      </p:grpSpPr>
+      <p:pic>
+        <p:nvPicPr>
+          <p:cNvPr id="5" name="Picture 4">
+            <a:extLst>
+              <a:ext uri="{FF2B5EF4-FFF2-40B4-BE49-F238E27FC236}">
+                <a16:creationId xmlns:a16="http://schemas.microsoft.com/office/drawing/2014/main" id="{70CA9A29-4A6F-93C8-F8BF-10B845250881}"/>
+              </a:ext>
+            </a:extLst>
+          </p:cNvPr>
+          <p:cNvPicPr>
+            <a:picLocks noChangeAspect="1"/>
+          </p:cNvPicPr>
+          <p:nvPr/>
+        </p:nvPicPr>
+        <p:blipFill>
+          <a:blip r:embed="rId2"/>
+          <a:stretch>
+            <a:fillRect/>
+          </a:stretch>
+        </p:blipFill>
+        <p:spPr>
+          <a:xfrm>
+            <a:off x="1430311" y="0"/>
+            <a:ext cx="9331377" cy="6858000"/>
+          </a:xfrm>
+          <a:prstGeom prst="rect">
+            <a:avLst/>
+          </a:prstGeom>
+        </p:spPr>
+      </p:pic>
+    </p:spTree>
+    <p:extLst>
+      <p:ext uri="{BB962C8B-B14F-4D97-AF65-F5344CB8AC3E}">
+        <p14:creationId xmlns:p14="http://schemas.microsoft.com/office/powerpoint/2010/main" val="77606273"/>
+      </p:ext>
+    </p:extLst>
+  </p:cSld>
+  <p:clrMapOvr>
+    <a:masterClrMapping/>
+  </p:clrMapOvr>
+</p:sld>
+</file>
+
+<file path=ppt/slides/slide8.xml><?xml version="1.0" encoding="utf-8"?>
+<p:sld xmlns:a="http://schemas.openxmlformats.org/drawingml/2006/main" xmlns:r="http://schemas.openxmlformats.org/officeDocument/2006/relationships" xmlns:p="http://schemas.openxmlformats.org/presentationml/2006/main">
+  <p:cSld>
+    <p:spTree>
+      <p:nvGrpSpPr>
+        <p:cNvPr id="1" name=""/>
+        <p:cNvGrpSpPr/>
+        <p:nvPr/>
+      </p:nvGrpSpPr>
+      <p:grpSpPr>
+        <a:xfrm>
+          <a:off x="0" y="0"/>
+          <a:ext cx="0" cy="0"/>
+          <a:chOff x="0" y="0"/>
+          <a:chExt cx="0" cy="0"/>
+        </a:xfrm>
+      </p:grpSpPr>
+      <p:sp>
+        <p:nvSpPr>
+          <p:cNvPr id="2" name="Title 1">
+            <a:extLst>
+              <a:ext uri="{FF2B5EF4-FFF2-40B4-BE49-F238E27FC236}">
+                <a16:creationId xmlns:a16="http://schemas.microsoft.com/office/drawing/2014/main" id="{C998B7EF-A9E8-D06D-C1AF-B4EC59320666}"/>
+              </a:ext>
+            </a:extLst>
+          </p:cNvPr>
+          <p:cNvSpPr>
+            <a:spLocks noGrp="1"/>
+          </p:cNvSpPr>
+          <p:nvPr>
+            <p:ph type="title"/>
+          </p:nvPr>
+        </p:nvSpPr>
+        <p:spPr/>
+        <p:txBody>
+          <a:bodyPr/>
+          <a:lstStyle/>
+          <a:p>
+            <a:endParaRPr lang="en-US"/>
+          </a:p>
+        </p:txBody>
+      </p:sp>
+      <p:sp>
+        <p:nvSpPr>
+          <p:cNvPr id="3" name="Content Placeholder 2">
+            <a:extLst>
+              <a:ext uri="{FF2B5EF4-FFF2-40B4-BE49-F238E27FC236}">
+                <a16:creationId xmlns:a16="http://schemas.microsoft.com/office/drawing/2014/main" id="{702C99A5-3FC5-7767-CD51-D2A1BD1FB794}"/>
+              </a:ext>
+            </a:extLst>
+          </p:cNvPr>
+          <p:cNvSpPr>
+            <a:spLocks noGrp="1"/>
+          </p:cNvSpPr>
+          <p:nvPr>
+            <p:ph idx="1"/>
+          </p:nvPr>
+        </p:nvSpPr>
+        <p:spPr/>
+        <p:txBody>
+          <a:bodyPr/>
+          <a:lstStyle/>
+          <a:p>
+            <a:endParaRPr lang="en-US"/>
+          </a:p>
+        </p:txBody>
+      </p:sp>
+      <p:pic>
+        <p:nvPicPr>
+          <p:cNvPr id="5" name="Picture 4">
+            <a:extLst>
+              <a:ext uri="{FF2B5EF4-FFF2-40B4-BE49-F238E27FC236}">
+                <a16:creationId xmlns:a16="http://schemas.microsoft.com/office/drawing/2014/main" id="{1491F89B-EC03-FCBD-6BBA-6CBF5AF346EE}"/>
+              </a:ext>
+            </a:extLst>
+          </p:cNvPr>
+          <p:cNvPicPr>
+            <a:picLocks noChangeAspect="1"/>
+          </p:cNvPicPr>
+          <p:nvPr/>
+        </p:nvPicPr>
+        <p:blipFill>
+          <a:blip r:embed="rId2"/>
+          <a:stretch>
+            <a:fillRect/>
+          </a:stretch>
+        </p:blipFill>
+        <p:spPr>
+          <a:xfrm>
+            <a:off x="1251067" y="0"/>
+            <a:ext cx="9689865" cy="6858000"/>
+          </a:xfrm>
+          <a:prstGeom prst="rect">
+            <a:avLst/>
+          </a:prstGeom>
+        </p:spPr>
+      </p:pic>
+    </p:spTree>
+    <p:extLst>
+      <p:ext uri="{BB962C8B-B14F-4D97-AF65-F5344CB8AC3E}">
+        <p14:creationId xmlns:p14="http://schemas.microsoft.com/office/powerpoint/2010/main" val="2602835926"/>
+      </p:ext>
+    </p:extLst>
+  </p:cSld>
+  <p:clrMapOvr>
+    <a:masterClrMapping/>
+  </p:clrMapOvr>
+</p:sld>
+</file>
+
+<file path=ppt/slides/slide9.xml><?xml version="1.0" encoding="utf-8"?>
+<p:sld xmlns:a="http://schemas.openxmlformats.org/drawingml/2006/main" xmlns:r="http://schemas.openxmlformats.org/officeDocument/2006/relationships" xmlns:p="http://schemas.openxmlformats.org/presentationml/2006/main">
+  <p:cSld>
+    <p:spTree>
+      <p:nvGrpSpPr>
+        <p:cNvPr id="1" name=""/>
+        <p:cNvGrpSpPr/>
+        <p:nvPr/>
+      </p:nvGrpSpPr>
+      <p:grpSpPr>
+        <a:xfrm>
+          <a:off x="0" y="0"/>
+          <a:ext cx="0" cy="0"/>
+          <a:chOff x="0" y="0"/>
+          <a:chExt cx="0" cy="0"/>
+        </a:xfrm>
+      </p:grpSpPr>
+      <p:sp>
+        <p:nvSpPr>
+          <p:cNvPr id="2" name="Title 1">
+            <a:extLst>
+              <a:ext uri="{FF2B5EF4-FFF2-40B4-BE49-F238E27FC236}">
+                <a16:creationId xmlns:a16="http://schemas.microsoft.com/office/drawing/2014/main" id="{55D747AA-5ACA-F728-B725-752B513C0CBB}"/>
+              </a:ext>
+            </a:extLst>
+          </p:cNvPr>
+          <p:cNvSpPr>
+            <a:spLocks noGrp="1"/>
+          </p:cNvSpPr>
+          <p:nvPr>
+            <p:ph type="title"/>
+          </p:nvPr>
+        </p:nvSpPr>
+        <p:spPr/>
+        <p:txBody>
+          <a:bodyPr/>
+          <a:lstStyle/>
+          <a:p>
+            <a:endParaRPr lang="en-US"/>
+          </a:p>
+        </p:txBody>
+      </p:sp>
+      <p:sp>
+        <p:nvSpPr>
+          <p:cNvPr id="3" name="Content Placeholder 2">
+            <a:extLst>
+              <a:ext uri="{FF2B5EF4-FFF2-40B4-BE49-F238E27FC236}">
+                <a16:creationId xmlns:a16="http://schemas.microsoft.com/office/drawing/2014/main" id="{88B4B48E-E2C5-2F9D-8595-93B3E7ED25B5}"/>
+              </a:ext>
+            </a:extLst>
+          </p:cNvPr>
+          <p:cNvSpPr>
+            <a:spLocks noGrp="1"/>
+          </p:cNvSpPr>
+          <p:nvPr>
+            <p:ph idx="1"/>
+          </p:nvPr>
+        </p:nvSpPr>
+        <p:spPr/>
+        <p:txBody>
+          <a:bodyPr/>
+          <a:lstStyle/>
+          <a:p>
+            <a:endParaRPr lang="en-US"/>
+          </a:p>
+        </p:txBody>
+      </p:sp>
+      <p:pic>
+        <p:nvPicPr>
+          <p:cNvPr id="5" name="Picture 4">
+            <a:extLst>
+              <a:ext uri="{FF2B5EF4-FFF2-40B4-BE49-F238E27FC236}">
+                <a16:creationId xmlns:a16="http://schemas.microsoft.com/office/drawing/2014/main" id="{575E14A8-4EF9-8BA4-2D1B-87F9A891C43B}"/>
+              </a:ext>
+            </a:extLst>
+          </p:cNvPr>
+          <p:cNvPicPr>
+            <a:picLocks noChangeAspect="1"/>
+          </p:cNvPicPr>
+          <p:nvPr/>
+        </p:nvPicPr>
+        <p:blipFill>
+          <a:blip r:embed="rId2"/>
+          <a:stretch>
+            <a:fillRect/>
+          </a:stretch>
+        </p:blipFill>
+        <p:spPr>
+          <a:xfrm>
+            <a:off x="1239379" y="0"/>
+            <a:ext cx="9713241" cy="6858000"/>
+          </a:xfrm>
+          <a:prstGeom prst="rect">
+            <a:avLst/>
+          </a:prstGeom>
+        </p:spPr>
+      </p:pic>
+    </p:spTree>
+    <p:extLst>
+      <p:ext uri="{BB962C8B-B14F-4D97-AF65-F5344CB8AC3E}">
+        <p14:creationId xmlns:p14="http://schemas.microsoft.com/office/powerpoint/2010/main" val="389767012"/>
       </p:ext>
     </p:extLst>
   </p:cSld>
@@ -10527,15 +11365,6 @@
 </file>
 
 <file path=customXml/item2.xml><?xml version="1.0" encoding="utf-8"?>
-<?mso-contentType ?>
-<FormTemplates xmlns="http://schemas.microsoft.com/sharepoint/v3/contenttype/forms">
-  <Display>DocumentLibraryForm</Display>
-  <Edit>DocumentLibraryForm</Edit>
-  <New>DocumentLibraryForm</New>
-</FormTemplates>
-</file>
-
-<file path=customXml/item3.xml><?xml version="1.0" encoding="utf-8"?>
 <ct:contentTypeSchema xmlns:ct="http://schemas.microsoft.com/office/2006/metadata/contentType" xmlns:ma="http://schemas.microsoft.com/office/2006/metadata/properties/metaAttributes" ct:_="" ma:_="" ma:contentTypeName="Document" ma:contentTypeID="0x01010080B6B337665EDE48BFD910FF7A736739" ma:contentTypeVersion="3" ma:contentTypeDescription="Create a new document." ma:contentTypeScope="" ma:versionID="f31437dcd7cdd299e1bc008ad35bc711">
   <xsd:schema xmlns:xsd="http://www.w3.org/2001/XMLSchema" xmlns:xs="http://www.w3.org/2001/XMLSchema" xmlns:p="http://schemas.microsoft.com/office/2006/metadata/properties" xmlns:ns3="fbd8120b-9a82-47de-acb2-d9b076fc7430" targetNamespace="http://schemas.microsoft.com/office/2006/metadata/properties" ma:root="true" ma:fieldsID="ddc3ebed9f41d0f0fc612f08be86bad8" ns3:_="">
     <xsd:import namespace="fbd8120b-9a82-47de-acb2-d9b076fc7430"/>
@@ -10673,6 +11502,15 @@
 </ct:contentTypeSchema>
 </file>
 
+<file path=customXml/item3.xml><?xml version="1.0" encoding="utf-8"?>
+<?mso-contentType ?>
+<FormTemplates xmlns="http://schemas.microsoft.com/sharepoint/v3/contenttype/forms">
+  <Display>DocumentLibraryForm</Display>
+  <Edit>DocumentLibraryForm</Edit>
+  <New>DocumentLibraryForm</New>
+</FormTemplates>
+</file>
+
 <file path=customXml/itemProps1.xml><?xml version="1.0" encoding="utf-8"?>
 <ds:datastoreItem xmlns:ds="http://schemas.openxmlformats.org/officeDocument/2006/customXml" ds:itemID="{360FF358-03B0-422F-AA67-9BD7A972510F}">
   <ds:schemaRefs>
@@ -10690,14 +11528,6 @@
 </file>
 
 <file path=customXml/itemProps2.xml><?xml version="1.0" encoding="utf-8"?>
-<ds:datastoreItem xmlns:ds="http://schemas.openxmlformats.org/officeDocument/2006/customXml" ds:itemID="{E2177D56-C6C8-4BD1-8F2E-F00D7C5BE258}">
-  <ds:schemaRefs>
-    <ds:schemaRef ds:uri="http://schemas.microsoft.com/sharepoint/v3/contenttype/forms"/>
-  </ds:schemaRefs>
-</ds:datastoreItem>
-</file>
-
-<file path=customXml/itemProps3.xml><?xml version="1.0" encoding="utf-8"?>
 <ds:datastoreItem xmlns:ds="http://schemas.openxmlformats.org/officeDocument/2006/customXml" ds:itemID="{AB1A2CAA-BB23-4B2E-BEF0-AB05E6BF5021}">
   <ds:schemaRefs>
     <ds:schemaRef ds:uri="http://schemas.microsoft.com/office/2006/metadata/contentType"/>
@@ -10713,4 +11543,12 @@
     <ds:schemaRef ds:uri="http://schemas.microsoft.com/internal/obd"/>
   </ds:schemaRefs>
 </ds:datastoreItem>
+</file>
+
+<file path=customXml/itemProps3.xml><?xml version="1.0" encoding="utf-8"?>
+<ds:datastoreItem xmlns:ds="http://schemas.openxmlformats.org/officeDocument/2006/customXml" ds:itemID="{E2177D56-C6C8-4BD1-8F2E-F00D7C5BE258}">
+  <ds:schemaRefs>
+    <ds:schemaRef ds:uri="http://schemas.microsoft.com/sharepoint/v3/contenttype/forms"/>
+  </ds:schemaRefs>
+</ds:datastoreItem>
 </file>